--- a/Computer Science - OSN Informatika - Python - C++/LOPI Sekolah Olimp/Berpikir Komputasional [Autosaved].pptx
+++ b/Computer Science - OSN Informatika - Python - C++/LOPI Sekolah Olimp/Berpikir Komputasional [Autosaved].pptx
@@ -8,28 +8,30 @@
     <p:sldId id="256" r:id="rId2"/>
     <p:sldId id="257" r:id="rId3"/>
     <p:sldId id="261" r:id="rId4"/>
-    <p:sldId id="262" r:id="rId5"/>
-    <p:sldId id="263" r:id="rId6"/>
-    <p:sldId id="258" r:id="rId7"/>
-    <p:sldId id="259" r:id="rId8"/>
-    <p:sldId id="260" r:id="rId9"/>
-    <p:sldId id="264" r:id="rId10"/>
-    <p:sldId id="265" r:id="rId11"/>
-    <p:sldId id="267" r:id="rId12"/>
-    <p:sldId id="269" r:id="rId13"/>
-    <p:sldId id="270" r:id="rId14"/>
-    <p:sldId id="271" r:id="rId15"/>
-    <p:sldId id="272" r:id="rId16"/>
-    <p:sldId id="273" r:id="rId17"/>
-    <p:sldId id="274" r:id="rId18"/>
-    <p:sldId id="275" r:id="rId19"/>
-    <p:sldId id="276" r:id="rId20"/>
-    <p:sldId id="277" r:id="rId21"/>
-    <p:sldId id="266" r:id="rId22"/>
-    <p:sldId id="278" r:id="rId23"/>
-    <p:sldId id="268" r:id="rId24"/>
-    <p:sldId id="279" r:id="rId25"/>
-    <p:sldId id="280" r:id="rId26"/>
+    <p:sldId id="282" r:id="rId5"/>
+    <p:sldId id="262" r:id="rId6"/>
+    <p:sldId id="266" r:id="rId7"/>
+    <p:sldId id="281" r:id="rId8"/>
+    <p:sldId id="276" r:id="rId9"/>
+    <p:sldId id="263" r:id="rId10"/>
+    <p:sldId id="258" r:id="rId11"/>
+    <p:sldId id="259" r:id="rId12"/>
+    <p:sldId id="260" r:id="rId13"/>
+    <p:sldId id="264" r:id="rId14"/>
+    <p:sldId id="265" r:id="rId15"/>
+    <p:sldId id="267" r:id="rId16"/>
+    <p:sldId id="269" r:id="rId17"/>
+    <p:sldId id="270" r:id="rId18"/>
+    <p:sldId id="271" r:id="rId19"/>
+    <p:sldId id="272" r:id="rId20"/>
+    <p:sldId id="273" r:id="rId21"/>
+    <p:sldId id="274" r:id="rId22"/>
+    <p:sldId id="275" r:id="rId23"/>
+    <p:sldId id="277" r:id="rId24"/>
+    <p:sldId id="278" r:id="rId25"/>
+    <p:sldId id="268" r:id="rId26"/>
+    <p:sldId id="280" r:id="rId27"/>
+    <p:sldId id="279" r:id="rId28"/>
   </p:sldIdLst>
   <p:sldSz cx="12192000" cy="6858000"/>
   <p:notesSz cx="6858000" cy="9144000"/>
@@ -285,7 +287,7 @@
           <a:p>
             <a:fld id="{23E2408E-4BD4-4E8E-B7EE-076ACDA761D3}" type="datetimeFigureOut">
               <a:rPr lang="en-ID" smtClean="0"/>
-              <a:t>04/02/2025</a:t>
+              <a:t>29/05/2025</a:t>
             </a:fld>
             <a:endParaRPr lang="en-ID"/>
           </a:p>
@@ -485,7 +487,7 @@
           <a:p>
             <a:fld id="{23E2408E-4BD4-4E8E-B7EE-076ACDA761D3}" type="datetimeFigureOut">
               <a:rPr lang="en-ID" smtClean="0"/>
-              <a:t>04/02/2025</a:t>
+              <a:t>29/05/2025</a:t>
             </a:fld>
             <a:endParaRPr lang="en-ID"/>
           </a:p>
@@ -695,7 +697,7 @@
           <a:p>
             <a:fld id="{23E2408E-4BD4-4E8E-B7EE-076ACDA761D3}" type="datetimeFigureOut">
               <a:rPr lang="en-ID" smtClean="0"/>
-              <a:t>04/02/2025</a:t>
+              <a:t>29/05/2025</a:t>
             </a:fld>
             <a:endParaRPr lang="en-ID"/>
           </a:p>
@@ -895,7 +897,7 @@
           <a:p>
             <a:fld id="{23E2408E-4BD4-4E8E-B7EE-076ACDA761D3}" type="datetimeFigureOut">
               <a:rPr lang="en-ID" smtClean="0"/>
-              <a:t>04/02/2025</a:t>
+              <a:t>29/05/2025</a:t>
             </a:fld>
             <a:endParaRPr lang="en-ID"/>
           </a:p>
@@ -1171,7 +1173,7 @@
           <a:p>
             <a:fld id="{23E2408E-4BD4-4E8E-B7EE-076ACDA761D3}" type="datetimeFigureOut">
               <a:rPr lang="en-ID" smtClean="0"/>
-              <a:t>04/02/2025</a:t>
+              <a:t>29/05/2025</a:t>
             </a:fld>
             <a:endParaRPr lang="en-ID"/>
           </a:p>
@@ -1439,7 +1441,7 @@
           <a:p>
             <a:fld id="{23E2408E-4BD4-4E8E-B7EE-076ACDA761D3}" type="datetimeFigureOut">
               <a:rPr lang="en-ID" smtClean="0"/>
-              <a:t>04/02/2025</a:t>
+              <a:t>29/05/2025</a:t>
             </a:fld>
             <a:endParaRPr lang="en-ID"/>
           </a:p>
@@ -1854,7 +1856,7 @@
           <a:p>
             <a:fld id="{23E2408E-4BD4-4E8E-B7EE-076ACDA761D3}" type="datetimeFigureOut">
               <a:rPr lang="en-ID" smtClean="0"/>
-              <a:t>04/02/2025</a:t>
+              <a:t>29/05/2025</a:t>
             </a:fld>
             <a:endParaRPr lang="en-ID"/>
           </a:p>
@@ -1996,7 +1998,7 @@
           <a:p>
             <a:fld id="{23E2408E-4BD4-4E8E-B7EE-076ACDA761D3}" type="datetimeFigureOut">
               <a:rPr lang="en-ID" smtClean="0"/>
-              <a:t>04/02/2025</a:t>
+              <a:t>29/05/2025</a:t>
             </a:fld>
             <a:endParaRPr lang="en-ID"/>
           </a:p>
@@ -2109,7 +2111,7 @@
           <a:p>
             <a:fld id="{23E2408E-4BD4-4E8E-B7EE-076ACDA761D3}" type="datetimeFigureOut">
               <a:rPr lang="en-ID" smtClean="0"/>
-              <a:t>04/02/2025</a:t>
+              <a:t>29/05/2025</a:t>
             </a:fld>
             <a:endParaRPr lang="en-ID"/>
           </a:p>
@@ -2422,7 +2424,7 @@
           <a:p>
             <a:fld id="{23E2408E-4BD4-4E8E-B7EE-076ACDA761D3}" type="datetimeFigureOut">
               <a:rPr lang="en-ID" smtClean="0"/>
-              <a:t>04/02/2025</a:t>
+              <a:t>29/05/2025</a:t>
             </a:fld>
             <a:endParaRPr lang="en-ID"/>
           </a:p>
@@ -2711,7 +2713,7 @@
           <a:p>
             <a:fld id="{23E2408E-4BD4-4E8E-B7EE-076ACDA761D3}" type="datetimeFigureOut">
               <a:rPr lang="en-ID" smtClean="0"/>
-              <a:t>04/02/2025</a:t>
+              <a:t>29/05/2025</a:t>
             </a:fld>
             <a:endParaRPr lang="en-ID"/>
           </a:p>
@@ -2954,7 +2956,7 @@
           <a:p>
             <a:fld id="{23E2408E-4BD4-4E8E-B7EE-076ACDA761D3}" type="datetimeFigureOut">
               <a:rPr lang="en-ID" smtClean="0"/>
-              <a:t>04/02/2025</a:t>
+              <a:t>29/05/2025</a:t>
             </a:fld>
             <a:endParaRPr lang="en-ID"/>
           </a:p>
@@ -3458,6 +3460,298 @@
         <p:cNvPr id="1" name="">
           <a:extLst>
             <a:ext uri="{FF2B5EF4-FFF2-40B4-BE49-F238E27FC236}">
+              <a16:creationId xmlns:a16="http://schemas.microsoft.com/office/drawing/2014/main" id="{203C251F-3991-948A-09CD-78E5139F9003}"/>
+            </a:ext>
+          </a:extLst>
+        </p:cNvPr>
+        <p:cNvGrpSpPr/>
+        <p:nvPr/>
+      </p:nvGrpSpPr>
+      <p:grpSpPr>
+        <a:xfrm>
+          <a:off x="0" y="0"/>
+          <a:ext cx="0" cy="0"/>
+          <a:chOff x="0" y="0"/>
+          <a:chExt cx="0" cy="0"/>
+        </a:xfrm>
+      </p:grpSpPr>
+      <p:sp>
+        <p:nvSpPr>
+          <p:cNvPr id="2" name="Title 1">
+            <a:extLst>
+              <a:ext uri="{FF2B5EF4-FFF2-40B4-BE49-F238E27FC236}">
+                <a16:creationId xmlns:a16="http://schemas.microsoft.com/office/drawing/2014/main" id="{FEDF1AD5-5750-9189-75D5-B141ED3CB8C1}"/>
+              </a:ext>
+            </a:extLst>
+          </p:cNvPr>
+          <p:cNvSpPr>
+            <a:spLocks noGrp="1"/>
+          </p:cNvSpPr>
+          <p:nvPr>
+            <p:ph type="ctrTitle"/>
+          </p:nvPr>
+        </p:nvSpPr>
+        <p:spPr>
+          <a:xfrm>
+            <a:off x="626378" y="360726"/>
+            <a:ext cx="9144000" cy="817097"/>
+          </a:xfrm>
+        </p:spPr>
+        <p:txBody>
+          <a:bodyPr>
+            <a:noAutofit/>
+          </a:bodyPr>
+          <a:lstStyle/>
+          <a:p>
+            <a:pPr algn="l"/>
+            <a:r>
+              <a:rPr lang="en-US" sz="4800" dirty="0"/>
+              <a:t>Abstraction</a:t>
+            </a:r>
+            <a:endParaRPr lang="en-ID" sz="4800" dirty="0"/>
+          </a:p>
+        </p:txBody>
+      </p:sp>
+    </p:spTree>
+    <p:extLst>
+      <p:ext uri="{BB962C8B-B14F-4D97-AF65-F5344CB8AC3E}">
+        <p14:creationId xmlns:p14="http://schemas.microsoft.com/office/powerpoint/2010/main" val="753965408"/>
+      </p:ext>
+    </p:extLst>
+  </p:cSld>
+  <p:clrMapOvr>
+    <a:masterClrMapping/>
+  </p:clrMapOvr>
+</p:sld>
+</file>
+
+<file path=ppt/slides/slide11.xml><?xml version="1.0" encoding="utf-8"?>
+<p:sld xmlns:a="http://schemas.openxmlformats.org/drawingml/2006/main" xmlns:r="http://schemas.openxmlformats.org/officeDocument/2006/relationships" xmlns:p="http://schemas.openxmlformats.org/presentationml/2006/main">
+  <p:cSld>
+    <p:spTree>
+      <p:nvGrpSpPr>
+        <p:cNvPr id="1" name="">
+          <a:extLst>
+            <a:ext uri="{FF2B5EF4-FFF2-40B4-BE49-F238E27FC236}">
+              <a16:creationId xmlns:a16="http://schemas.microsoft.com/office/drawing/2014/main" id="{D30D031C-703F-442D-7F8D-892086538D5C}"/>
+            </a:ext>
+          </a:extLst>
+        </p:cNvPr>
+        <p:cNvGrpSpPr/>
+        <p:nvPr/>
+      </p:nvGrpSpPr>
+      <p:grpSpPr>
+        <a:xfrm>
+          <a:off x="0" y="0"/>
+          <a:ext cx="0" cy="0"/>
+          <a:chOff x="0" y="0"/>
+          <a:chExt cx="0" cy="0"/>
+        </a:xfrm>
+      </p:grpSpPr>
+      <p:sp>
+        <p:nvSpPr>
+          <p:cNvPr id="2" name="Title 1">
+            <a:extLst>
+              <a:ext uri="{FF2B5EF4-FFF2-40B4-BE49-F238E27FC236}">
+                <a16:creationId xmlns:a16="http://schemas.microsoft.com/office/drawing/2014/main" id="{63FCC175-AD0D-4AE6-A1E1-C50716B57866}"/>
+              </a:ext>
+            </a:extLst>
+          </p:cNvPr>
+          <p:cNvSpPr>
+            <a:spLocks noGrp="1"/>
+          </p:cNvSpPr>
+          <p:nvPr>
+            <p:ph type="ctrTitle"/>
+          </p:nvPr>
+        </p:nvSpPr>
+        <p:spPr>
+          <a:xfrm>
+            <a:off x="626378" y="360726"/>
+            <a:ext cx="9144000" cy="817097"/>
+          </a:xfrm>
+        </p:spPr>
+        <p:txBody>
+          <a:bodyPr>
+            <a:noAutofit/>
+          </a:bodyPr>
+          <a:lstStyle/>
+          <a:p>
+            <a:pPr algn="l"/>
+            <a:r>
+              <a:rPr lang="en-US" sz="4800" dirty="0"/>
+              <a:t>Abstraction</a:t>
+            </a:r>
+            <a:endParaRPr lang="en-ID" sz="4800" dirty="0"/>
+          </a:p>
+        </p:txBody>
+      </p:sp>
+    </p:spTree>
+    <p:extLst>
+      <p:ext uri="{BB962C8B-B14F-4D97-AF65-F5344CB8AC3E}">
+        <p14:creationId xmlns:p14="http://schemas.microsoft.com/office/powerpoint/2010/main" val="2251731984"/>
+      </p:ext>
+    </p:extLst>
+  </p:cSld>
+  <p:clrMapOvr>
+    <a:masterClrMapping/>
+  </p:clrMapOvr>
+</p:sld>
+</file>
+
+<file path=ppt/slides/slide12.xml><?xml version="1.0" encoding="utf-8"?>
+<p:sld xmlns:a="http://schemas.openxmlformats.org/drawingml/2006/main" xmlns:r="http://schemas.openxmlformats.org/officeDocument/2006/relationships" xmlns:p="http://schemas.openxmlformats.org/presentationml/2006/main">
+  <p:cSld>
+    <p:spTree>
+      <p:nvGrpSpPr>
+        <p:cNvPr id="1" name="">
+          <a:extLst>
+            <a:ext uri="{FF2B5EF4-FFF2-40B4-BE49-F238E27FC236}">
+              <a16:creationId xmlns:a16="http://schemas.microsoft.com/office/drawing/2014/main" id="{095B0455-79D7-B9C1-7C3D-1E6F58A1AFE9}"/>
+            </a:ext>
+          </a:extLst>
+        </p:cNvPr>
+        <p:cNvGrpSpPr/>
+        <p:nvPr/>
+      </p:nvGrpSpPr>
+      <p:grpSpPr>
+        <a:xfrm>
+          <a:off x="0" y="0"/>
+          <a:ext cx="0" cy="0"/>
+          <a:chOff x="0" y="0"/>
+          <a:chExt cx="0" cy="0"/>
+        </a:xfrm>
+      </p:grpSpPr>
+      <p:sp>
+        <p:nvSpPr>
+          <p:cNvPr id="2" name="Title 1">
+            <a:extLst>
+              <a:ext uri="{FF2B5EF4-FFF2-40B4-BE49-F238E27FC236}">
+                <a16:creationId xmlns:a16="http://schemas.microsoft.com/office/drawing/2014/main" id="{33EB9AC2-EA55-4E64-12A1-2B356C4CAF0C}"/>
+              </a:ext>
+            </a:extLst>
+          </p:cNvPr>
+          <p:cNvSpPr>
+            <a:spLocks noGrp="1"/>
+          </p:cNvSpPr>
+          <p:nvPr>
+            <p:ph type="ctrTitle"/>
+          </p:nvPr>
+        </p:nvSpPr>
+        <p:spPr>
+          <a:xfrm>
+            <a:off x="626378" y="360726"/>
+            <a:ext cx="9144000" cy="817097"/>
+          </a:xfrm>
+        </p:spPr>
+        <p:txBody>
+          <a:bodyPr>
+            <a:noAutofit/>
+          </a:bodyPr>
+          <a:lstStyle/>
+          <a:p>
+            <a:pPr algn="l"/>
+            <a:r>
+              <a:rPr lang="en-US" sz="4800" dirty="0"/>
+              <a:t>Abstraction</a:t>
+            </a:r>
+            <a:endParaRPr lang="en-ID" sz="4800" dirty="0"/>
+          </a:p>
+        </p:txBody>
+      </p:sp>
+    </p:spTree>
+    <p:extLst>
+      <p:ext uri="{BB962C8B-B14F-4D97-AF65-F5344CB8AC3E}">
+        <p14:creationId xmlns:p14="http://schemas.microsoft.com/office/powerpoint/2010/main" val="460754935"/>
+      </p:ext>
+    </p:extLst>
+  </p:cSld>
+  <p:clrMapOvr>
+    <a:masterClrMapping/>
+  </p:clrMapOvr>
+</p:sld>
+</file>
+
+<file path=ppt/slides/slide13.xml><?xml version="1.0" encoding="utf-8"?>
+<p:sld xmlns:a="http://schemas.openxmlformats.org/drawingml/2006/main" xmlns:r="http://schemas.openxmlformats.org/officeDocument/2006/relationships" xmlns:p="http://schemas.openxmlformats.org/presentationml/2006/main">
+  <p:cSld>
+    <p:spTree>
+      <p:nvGrpSpPr>
+        <p:cNvPr id="1" name="">
+          <a:extLst>
+            <a:ext uri="{FF2B5EF4-FFF2-40B4-BE49-F238E27FC236}">
+              <a16:creationId xmlns:a16="http://schemas.microsoft.com/office/drawing/2014/main" id="{893B9A77-0EC5-6C68-CCEB-5361B8680EC0}"/>
+            </a:ext>
+          </a:extLst>
+        </p:cNvPr>
+        <p:cNvGrpSpPr/>
+        <p:nvPr/>
+      </p:nvGrpSpPr>
+      <p:grpSpPr>
+        <a:xfrm>
+          <a:off x="0" y="0"/>
+          <a:ext cx="0" cy="0"/>
+          <a:chOff x="0" y="0"/>
+          <a:chExt cx="0" cy="0"/>
+        </a:xfrm>
+      </p:grpSpPr>
+      <p:sp>
+        <p:nvSpPr>
+          <p:cNvPr id="2" name="Title 1">
+            <a:extLst>
+              <a:ext uri="{FF2B5EF4-FFF2-40B4-BE49-F238E27FC236}">
+                <a16:creationId xmlns:a16="http://schemas.microsoft.com/office/drawing/2014/main" id="{6A08E8D4-4E2F-96E2-4504-965778672D45}"/>
+              </a:ext>
+            </a:extLst>
+          </p:cNvPr>
+          <p:cNvSpPr>
+            <a:spLocks noGrp="1"/>
+          </p:cNvSpPr>
+          <p:nvPr>
+            <p:ph type="ctrTitle"/>
+          </p:nvPr>
+        </p:nvSpPr>
+        <p:spPr>
+          <a:xfrm>
+            <a:off x="626378" y="360726"/>
+            <a:ext cx="9144000" cy="817097"/>
+          </a:xfrm>
+        </p:spPr>
+        <p:txBody>
+          <a:bodyPr>
+            <a:noAutofit/>
+          </a:bodyPr>
+          <a:lstStyle/>
+          <a:p>
+            <a:pPr algn="l"/>
+            <a:r>
+              <a:rPr lang="en-US" sz="4800" dirty="0"/>
+              <a:t>Pattern Recognition</a:t>
+            </a:r>
+            <a:endParaRPr lang="en-ID" sz="4800" dirty="0"/>
+          </a:p>
+        </p:txBody>
+      </p:sp>
+    </p:spTree>
+    <p:extLst>
+      <p:ext uri="{BB962C8B-B14F-4D97-AF65-F5344CB8AC3E}">
+        <p14:creationId xmlns:p14="http://schemas.microsoft.com/office/powerpoint/2010/main" val="1073081865"/>
+      </p:ext>
+    </p:extLst>
+  </p:cSld>
+  <p:clrMapOvr>
+    <a:masterClrMapping/>
+  </p:clrMapOvr>
+</p:sld>
+</file>
+
+<file path=ppt/slides/slide14.xml><?xml version="1.0" encoding="utf-8"?>
+<p:sld xmlns:a="http://schemas.openxmlformats.org/drawingml/2006/main" xmlns:r="http://schemas.openxmlformats.org/officeDocument/2006/relationships" xmlns:p="http://schemas.openxmlformats.org/presentationml/2006/main">
+  <p:cSld>
+    <p:spTree>
+      <p:nvGrpSpPr>
+        <p:cNvPr id="1" name="">
+          <a:extLst>
+            <a:ext uri="{FF2B5EF4-FFF2-40B4-BE49-F238E27FC236}">
               <a16:creationId xmlns:a16="http://schemas.microsoft.com/office/drawing/2014/main" id="{BFB0C329-3725-3CDF-CC35-182969839C49}"/>
             </a:ext>
           </a:extLst>
@@ -3523,7 +3817,7 @@
 </p:sld>
 </file>
 
-<file path=ppt/slides/slide11.xml><?xml version="1.0" encoding="utf-8"?>
+<file path=ppt/slides/slide15.xml><?xml version="1.0" encoding="utf-8"?>
 <p:sld xmlns:a="http://schemas.openxmlformats.org/drawingml/2006/main" xmlns:r="http://schemas.openxmlformats.org/officeDocument/2006/relationships" xmlns:p="http://schemas.openxmlformats.org/presentationml/2006/main">
   <p:cSld>
     <p:spTree>
@@ -3596,7 +3890,7 @@
 </p:sld>
 </file>
 
-<file path=ppt/slides/slide12.xml><?xml version="1.0" encoding="utf-8"?>
+<file path=ppt/slides/slide16.xml><?xml version="1.0" encoding="utf-8"?>
 <p:sld xmlns:a="http://schemas.openxmlformats.org/drawingml/2006/main" xmlns:r="http://schemas.openxmlformats.org/officeDocument/2006/relationships" xmlns:p="http://schemas.openxmlformats.org/presentationml/2006/main">
   <p:cSld>
     <p:spTree>
@@ -3669,7 +3963,7 @@
 </p:sld>
 </file>
 
-<file path=ppt/slides/slide13.xml><?xml version="1.0" encoding="utf-8"?>
+<file path=ppt/slides/slide17.xml><?xml version="1.0" encoding="utf-8"?>
 <p:sld xmlns:a="http://schemas.openxmlformats.org/drawingml/2006/main" xmlns:r="http://schemas.openxmlformats.org/officeDocument/2006/relationships" xmlns:p="http://schemas.openxmlformats.org/presentationml/2006/main">
   <p:cSld>
     <p:spTree>
@@ -3742,7 +4036,7 @@
 </p:sld>
 </file>
 
-<file path=ppt/slides/slide14.xml><?xml version="1.0" encoding="utf-8"?>
+<file path=ppt/slides/slide18.xml><?xml version="1.0" encoding="utf-8"?>
 <p:sld xmlns:a="http://schemas.openxmlformats.org/drawingml/2006/main" xmlns:r="http://schemas.openxmlformats.org/officeDocument/2006/relationships" xmlns:p="http://schemas.openxmlformats.org/presentationml/2006/main">
   <p:cSld>
     <p:spTree>
@@ -4112,7 +4406,7 @@
 </p:sld>
 </file>
 
-<file path=ppt/slides/slide15.xml><?xml version="1.0" encoding="utf-8"?>
+<file path=ppt/slides/slide19.xml><?xml version="1.0" encoding="utf-8"?>
 <p:sld xmlns:a="http://schemas.openxmlformats.org/drawingml/2006/main" xmlns:r="http://schemas.openxmlformats.org/officeDocument/2006/relationships" xmlns:p="http://schemas.openxmlformats.org/presentationml/2006/main">
   <p:cSld>
     <p:spTree>
@@ -4163,1971 +4457,6 @@
     <p:extLst>
       <p:ext uri="{BB962C8B-B14F-4D97-AF65-F5344CB8AC3E}">
         <p14:creationId xmlns:p14="http://schemas.microsoft.com/office/powerpoint/2010/main" val="3386934047"/>
-      </p:ext>
-    </p:extLst>
-  </p:cSld>
-  <p:clrMapOvr>
-    <a:masterClrMapping/>
-  </p:clrMapOvr>
-</p:sld>
-</file>
-
-<file path=ppt/slides/slide16.xml><?xml version="1.0" encoding="utf-8"?>
-<p:sld xmlns:a="http://schemas.openxmlformats.org/drawingml/2006/main" xmlns:r="http://schemas.openxmlformats.org/officeDocument/2006/relationships" xmlns:p="http://schemas.openxmlformats.org/presentationml/2006/main">
-  <p:cSld>
-    <p:spTree>
-      <p:nvGrpSpPr>
-        <p:cNvPr id="1" name=""/>
-        <p:cNvGrpSpPr/>
-        <p:nvPr/>
-      </p:nvGrpSpPr>
-      <p:grpSpPr>
-        <a:xfrm>
-          <a:off x="0" y="0"/>
-          <a:ext cx="0" cy="0"/>
-          <a:chOff x="0" y="0"/>
-          <a:chExt cx="0" cy="0"/>
-        </a:xfrm>
-      </p:grpSpPr>
-      <p:pic>
-        <p:nvPicPr>
-          <p:cNvPr id="3" name="Picture 2">
-            <a:extLst>
-              <a:ext uri="{FF2B5EF4-FFF2-40B4-BE49-F238E27FC236}">
-                <a16:creationId xmlns:a16="http://schemas.microsoft.com/office/drawing/2014/main" id="{69FE8E72-6024-A79B-6D56-E3E74B525910}"/>
-              </a:ext>
-            </a:extLst>
-          </p:cNvPr>
-          <p:cNvPicPr>
-            <a:picLocks noChangeAspect="1"/>
-          </p:cNvPicPr>
-          <p:nvPr/>
-        </p:nvPicPr>
-        <p:blipFill>
-          <a:blip r:embed="rId2"/>
-          <a:stretch>
-            <a:fillRect/>
-          </a:stretch>
-        </p:blipFill>
-        <p:spPr>
-          <a:xfrm>
-            <a:off x="487032" y="360455"/>
-            <a:ext cx="3829584" cy="2314898"/>
-          </a:xfrm>
-          <a:prstGeom prst="rect">
-            <a:avLst/>
-          </a:prstGeom>
-        </p:spPr>
-      </p:pic>
-      <p:sp>
-        <p:nvSpPr>
-          <p:cNvPr id="5" name="TextBox 4">
-            <a:extLst>
-              <a:ext uri="{FF2B5EF4-FFF2-40B4-BE49-F238E27FC236}">
-                <a16:creationId xmlns:a16="http://schemas.microsoft.com/office/drawing/2014/main" id="{4A73D17B-81BD-A50C-7102-9742058932F9}"/>
-              </a:ext>
-            </a:extLst>
-          </p:cNvPr>
-          <p:cNvSpPr txBox="1"/>
-          <p:nvPr/>
-        </p:nvSpPr>
-        <p:spPr>
-          <a:xfrm>
-            <a:off x="4382262" y="360455"/>
-            <a:ext cx="6965442" cy="1477328"/>
-          </a:xfrm>
-          <a:prstGeom prst="rect">
-            <a:avLst/>
-          </a:prstGeom>
-          <a:noFill/>
-        </p:spPr>
-        <p:txBody>
-          <a:bodyPr wrap="square">
-            <a:spAutoFit/>
-          </a:bodyPr>
-          <a:lstStyle/>
-          <a:p>
-            <a:r>
-              <a:rPr lang="en-ID" dirty="0" err="1"/>
-              <a:t>Terdapat</a:t>
-            </a:r>
-            <a:r>
-              <a:rPr lang="en-ID" dirty="0"/>
-              <a:t> 3 </a:t>
-            </a:r>
-            <a:r>
-              <a:rPr lang="en-ID" dirty="0" err="1"/>
-              <a:t>buah</a:t>
-            </a:r>
-            <a:r>
-              <a:rPr lang="en-ID" dirty="0"/>
-              <a:t> </a:t>
-            </a:r>
-            <a:r>
-              <a:rPr lang="en-ID" dirty="0" err="1"/>
-              <a:t>kartu</a:t>
-            </a:r>
-            <a:r>
-              <a:rPr lang="en-ID" dirty="0"/>
-              <a:t> yang </a:t>
-            </a:r>
-            <a:r>
-              <a:rPr lang="en-ID" dirty="0" err="1"/>
-              <a:t>bertuliskan</a:t>
-            </a:r>
-            <a:r>
-              <a:rPr lang="en-ID" dirty="0"/>
-              <a:t> </a:t>
-            </a:r>
-            <a:r>
-              <a:rPr lang="en-ID" dirty="0" err="1"/>
-              <a:t>angka</a:t>
-            </a:r>
-            <a:r>
-              <a:rPr lang="en-ID" dirty="0"/>
-              <a:t> 3 digit dan pada 2 </a:t>
-            </a:r>
-            <a:r>
-              <a:rPr lang="en-ID" dirty="0" err="1"/>
-              <a:t>kartu</a:t>
-            </a:r>
-            <a:r>
-              <a:rPr lang="en-ID" dirty="0"/>
-              <a:t> 1 digit </a:t>
-            </a:r>
-            <a:r>
-              <a:rPr lang="en-ID" dirty="0" err="1"/>
-              <a:t>angka</a:t>
-            </a:r>
-            <a:r>
-              <a:rPr lang="en-ID" dirty="0"/>
-              <a:t> </a:t>
-            </a:r>
-            <a:r>
-              <a:rPr lang="en-ID" dirty="0" err="1"/>
-              <a:t>tertutupi</a:t>
-            </a:r>
-            <a:r>
-              <a:rPr lang="en-ID" dirty="0"/>
-              <a:t>. Hasil </a:t>
-            </a:r>
-            <a:r>
-              <a:rPr lang="en-ID" dirty="0" err="1"/>
-              <a:t>penjumlahan</a:t>
-            </a:r>
-            <a:r>
-              <a:rPr lang="en-ID" dirty="0"/>
-              <a:t> Angka Pada Kartu (A) + Angka Pada Kartu (B) + Angka Pada Kartu (C) </a:t>
-            </a:r>
-            <a:r>
-              <a:rPr lang="en-ID" dirty="0" err="1"/>
-              <a:t>adalah</a:t>
-            </a:r>
-            <a:r>
-              <a:rPr lang="en-ID" dirty="0"/>
-              <a:t> 687. Hasil </a:t>
-            </a:r>
-            <a:r>
-              <a:rPr lang="en-ID" dirty="0" err="1"/>
-              <a:t>Penjumlahan</a:t>
-            </a:r>
-            <a:r>
-              <a:rPr lang="en-ID" dirty="0"/>
-              <a:t> </a:t>
-            </a:r>
-            <a:r>
-              <a:rPr lang="en-ID" dirty="0" err="1"/>
-              <a:t>nilai</a:t>
-            </a:r>
-            <a:r>
-              <a:rPr lang="en-ID" dirty="0"/>
-              <a:t> pada </a:t>
-            </a:r>
-            <a:r>
-              <a:rPr lang="en-ID" dirty="0" err="1"/>
-              <a:t>semua</a:t>
-            </a:r>
-            <a:r>
-              <a:rPr lang="en-ID" dirty="0"/>
-              <a:t> </a:t>
-            </a:r>
-            <a:r>
-              <a:rPr lang="en-ID" dirty="0" err="1"/>
-              <a:t>angka</a:t>
-            </a:r>
-            <a:r>
-              <a:rPr lang="en-ID" dirty="0"/>
-              <a:t> yang </a:t>
-            </a:r>
-            <a:r>
-              <a:rPr lang="en-ID" dirty="0" err="1"/>
-              <a:t>ditutupi</a:t>
-            </a:r>
-            <a:r>
-              <a:rPr lang="en-ID" dirty="0"/>
-              <a:t> </a:t>
-            </a:r>
-            <a:r>
-              <a:rPr lang="en-ID" dirty="0" err="1"/>
-              <a:t>adalah</a:t>
-            </a:r>
-            <a:r>
-              <a:rPr lang="en-ID" dirty="0"/>
-              <a:t>... {</a:t>
-            </a:r>
-            <a:r>
-              <a:rPr lang="en-ID" dirty="0" err="1"/>
-              <a:t>jawaban</a:t>
-            </a:r>
-            <a:r>
-              <a:rPr lang="en-ID" dirty="0"/>
-              <a:t> </a:t>
-            </a:r>
-            <a:r>
-              <a:rPr lang="en-ID" dirty="0" err="1"/>
-              <a:t>berupa</a:t>
-            </a:r>
-            <a:r>
-              <a:rPr lang="en-ID" dirty="0"/>
-              <a:t> </a:t>
-            </a:r>
-            <a:r>
-              <a:rPr lang="en-ID" dirty="0" err="1"/>
-              <a:t>angka</a:t>
-            </a:r>
-            <a:r>
-              <a:rPr lang="en-ID" dirty="0"/>
-              <a:t> </a:t>
-            </a:r>
-            <a:r>
-              <a:rPr lang="en-ID" dirty="0" err="1"/>
-              <a:t>bulat</a:t>
-            </a:r>
-            <a:r>
-              <a:rPr lang="en-ID" dirty="0"/>
-              <a:t>} </a:t>
-            </a:r>
-          </a:p>
-        </p:txBody>
-      </p:sp>
-    </p:spTree>
-    <p:extLst>
-      <p:ext uri="{BB962C8B-B14F-4D97-AF65-F5344CB8AC3E}">
-        <p14:creationId xmlns:p14="http://schemas.microsoft.com/office/powerpoint/2010/main" val="1459261139"/>
-      </p:ext>
-    </p:extLst>
-  </p:cSld>
-  <p:clrMapOvr>
-    <a:masterClrMapping/>
-  </p:clrMapOvr>
-</p:sld>
-</file>
-
-<file path=ppt/slides/slide17.xml><?xml version="1.0" encoding="utf-8"?>
-<p:sld xmlns:a="http://schemas.openxmlformats.org/drawingml/2006/main" xmlns:r="http://schemas.openxmlformats.org/officeDocument/2006/relationships" xmlns:p="http://schemas.openxmlformats.org/presentationml/2006/main">
-  <p:cSld>
-    <p:spTree>
-      <p:nvGrpSpPr>
-        <p:cNvPr id="1" name=""/>
-        <p:cNvGrpSpPr/>
-        <p:nvPr/>
-      </p:nvGrpSpPr>
-      <p:grpSpPr>
-        <a:xfrm>
-          <a:off x="0" y="0"/>
-          <a:ext cx="0" cy="0"/>
-          <a:chOff x="0" y="0"/>
-          <a:chExt cx="0" cy="0"/>
-        </a:xfrm>
-      </p:grpSpPr>
-      <p:sp>
-        <p:nvSpPr>
-          <p:cNvPr id="4" name="TextBox 3">
-            <a:extLst>
-              <a:ext uri="{FF2B5EF4-FFF2-40B4-BE49-F238E27FC236}">
-                <a16:creationId xmlns:a16="http://schemas.microsoft.com/office/drawing/2014/main" id="{BA69C6C9-2518-65F2-753E-1F5F261D12BD}"/>
-              </a:ext>
-            </a:extLst>
-          </p:cNvPr>
-          <p:cNvSpPr txBox="1"/>
-          <p:nvPr/>
-        </p:nvSpPr>
-        <p:spPr>
-          <a:xfrm>
-            <a:off x="365760" y="261819"/>
-            <a:ext cx="6492240" cy="2585323"/>
-          </a:xfrm>
-          <a:prstGeom prst="rect">
-            <a:avLst/>
-          </a:prstGeom>
-          <a:noFill/>
-        </p:spPr>
-        <p:txBody>
-          <a:bodyPr wrap="square">
-            <a:spAutoFit/>
-          </a:bodyPr>
-          <a:lstStyle/>
-          <a:p>
-            <a:pPr algn="just"/>
-            <a:r>
-              <a:rPr lang="en-ID" b="1" dirty="0" err="1"/>
-              <a:t>LAMPU</a:t>
-            </a:r>
-            <a:r>
-              <a:rPr lang="en-ID" b="1" dirty="0"/>
-              <a:t> KANTOR [</a:t>
-            </a:r>
-            <a:r>
-              <a:rPr lang="en-ID" b="1" dirty="0" err="1"/>
-              <a:t>Bebras</a:t>
-            </a:r>
-            <a:r>
-              <a:rPr lang="en-ID" b="1" dirty="0"/>
-              <a:t> Indonesia </a:t>
-            </a:r>
-            <a:r>
-              <a:rPr lang="en-ID" b="1" dirty="0" err="1"/>
-              <a:t>SMA</a:t>
-            </a:r>
-            <a:r>
-              <a:rPr lang="en-ID" b="1" dirty="0"/>
-              <a:t> 2017]</a:t>
-            </a:r>
-          </a:p>
-          <a:p>
-            <a:pPr algn="just"/>
-            <a:r>
-              <a:rPr lang="en-ID" dirty="0" err="1"/>
-              <a:t>Delapan</a:t>
-            </a:r>
-            <a:r>
-              <a:rPr lang="en-ID" dirty="0"/>
-              <a:t> </a:t>
-            </a:r>
-            <a:r>
-              <a:rPr lang="en-ID" dirty="0" err="1"/>
-              <a:t>bebras</a:t>
-            </a:r>
-            <a:r>
-              <a:rPr lang="en-ID" dirty="0"/>
-              <a:t> </a:t>
-            </a:r>
-            <a:r>
-              <a:rPr lang="en-ID" dirty="0" err="1"/>
-              <a:t>menempati</a:t>
-            </a:r>
-            <a:r>
-              <a:rPr lang="en-ID" dirty="0"/>
-              <a:t> </a:t>
-            </a:r>
-            <a:r>
-              <a:rPr lang="en-ID" dirty="0" err="1"/>
-              <a:t>ruang</a:t>
-            </a:r>
-            <a:r>
-              <a:rPr lang="en-ID" dirty="0"/>
-              <a:t> masing-masing di </a:t>
-            </a:r>
-            <a:r>
-              <a:rPr lang="en-ID" dirty="0" err="1"/>
-              <a:t>kantor</a:t>
-            </a:r>
-            <a:r>
-              <a:rPr lang="en-ID" dirty="0"/>
-              <a:t>. </a:t>
-            </a:r>
-            <a:r>
-              <a:rPr lang="en-ID" dirty="0" err="1"/>
-              <a:t>Saat</a:t>
-            </a:r>
-            <a:r>
-              <a:rPr lang="en-ID" dirty="0"/>
-              <a:t> di </a:t>
-            </a:r>
-            <a:r>
-              <a:rPr lang="en-ID" dirty="0" err="1"/>
-              <a:t>kantor</a:t>
-            </a:r>
-            <a:r>
-              <a:rPr lang="en-ID" dirty="0"/>
-              <a:t>, para </a:t>
-            </a:r>
-            <a:r>
-              <a:rPr lang="en-ID" dirty="0" err="1"/>
-              <a:t>bebras</a:t>
-            </a:r>
-            <a:r>
-              <a:rPr lang="en-ID" dirty="0"/>
-              <a:t> </a:t>
-            </a:r>
-            <a:r>
-              <a:rPr lang="en-ID" dirty="0" err="1"/>
-              <a:t>menyalakan</a:t>
-            </a:r>
-            <a:r>
-              <a:rPr lang="en-ID" dirty="0"/>
-              <a:t> </a:t>
-            </a:r>
-            <a:r>
-              <a:rPr lang="en-ID" dirty="0" err="1"/>
-              <a:t>lampu</a:t>
-            </a:r>
-            <a:r>
-              <a:rPr lang="en-ID" dirty="0"/>
-              <a:t>, dan </a:t>
-            </a:r>
-            <a:r>
-              <a:rPr lang="en-ID" dirty="0" err="1"/>
-              <a:t>mematikannya</a:t>
-            </a:r>
-            <a:r>
-              <a:rPr lang="en-ID" dirty="0"/>
-              <a:t> </a:t>
-            </a:r>
-            <a:r>
-              <a:rPr lang="en-ID" dirty="0" err="1"/>
-              <a:t>saat</a:t>
-            </a:r>
-            <a:r>
-              <a:rPr lang="en-ID" dirty="0"/>
-              <a:t> </a:t>
-            </a:r>
-            <a:r>
-              <a:rPr lang="en-ID" dirty="0" err="1"/>
-              <a:t>pergi</a:t>
-            </a:r>
-            <a:r>
-              <a:rPr lang="en-ID" dirty="0"/>
-              <a:t>. </a:t>
-            </a:r>
-            <a:r>
-              <a:rPr lang="en-ID" dirty="0" err="1"/>
-              <a:t>Atasan</a:t>
-            </a:r>
-            <a:r>
-              <a:rPr lang="en-ID" dirty="0"/>
-              <a:t> </a:t>
-            </a:r>
-            <a:r>
-              <a:rPr lang="en-ID" dirty="0" err="1"/>
-              <a:t>mereka</a:t>
-            </a:r>
-            <a:r>
-              <a:rPr lang="en-ID" dirty="0"/>
-              <a:t> </a:t>
-            </a:r>
-            <a:r>
-              <a:rPr lang="en-ID" dirty="0" err="1"/>
-              <a:t>memeriksa</a:t>
-            </a:r>
-            <a:r>
-              <a:rPr lang="en-ID" dirty="0"/>
-              <a:t> </a:t>
-            </a:r>
-            <a:r>
-              <a:rPr lang="en-ID" dirty="0" err="1"/>
-              <a:t>bebras</a:t>
-            </a:r>
-            <a:r>
-              <a:rPr lang="en-ID" dirty="0"/>
-              <a:t> yang </a:t>
-            </a:r>
-            <a:r>
-              <a:rPr lang="en-ID" dirty="0" err="1"/>
-              <a:t>hadir</a:t>
-            </a:r>
-            <a:r>
-              <a:rPr lang="en-ID" dirty="0"/>
-              <a:t> </a:t>
-            </a:r>
-            <a:r>
-              <a:rPr lang="en-ID" dirty="0" err="1"/>
-              <a:t>dengan</a:t>
-            </a:r>
-            <a:r>
-              <a:rPr lang="en-ID" dirty="0"/>
-              <a:t> </a:t>
-            </a:r>
-            <a:r>
-              <a:rPr lang="en-ID" dirty="0" err="1"/>
-              <a:t>melihat</a:t>
-            </a:r>
-            <a:r>
-              <a:rPr lang="en-ID" dirty="0"/>
-              <a:t> </a:t>
-            </a:r>
-            <a:r>
-              <a:rPr lang="en-ID" dirty="0" err="1"/>
-              <a:t>lampu</a:t>
-            </a:r>
-            <a:r>
-              <a:rPr lang="en-ID" dirty="0"/>
-              <a:t>. Gambar di </a:t>
-            </a:r>
-            <a:r>
-              <a:rPr lang="en-ID" dirty="0" err="1"/>
-              <a:t>bawah</a:t>
-            </a:r>
-            <a:r>
-              <a:rPr lang="en-ID" dirty="0"/>
-              <a:t> </a:t>
-            </a:r>
-            <a:r>
-              <a:rPr lang="en-ID" dirty="0" err="1"/>
-              <a:t>menunjukkan</a:t>
-            </a:r>
-            <a:r>
-              <a:rPr lang="en-ID" dirty="0"/>
-              <a:t> </a:t>
-            </a:r>
-            <a:r>
-              <a:rPr lang="en-ID" dirty="0" err="1"/>
-              <a:t>bahwa</a:t>
-            </a:r>
-            <a:r>
-              <a:rPr lang="en-ID" dirty="0"/>
-              <a:t> </a:t>
-            </a:r>
-            <a:r>
-              <a:rPr lang="en-ID" dirty="0" err="1"/>
-              <a:t>tidak</a:t>
-            </a:r>
-            <a:r>
-              <a:rPr lang="en-ID" dirty="0"/>
-              <a:t> </a:t>
-            </a:r>
-            <a:r>
-              <a:rPr lang="en-ID" dirty="0" err="1"/>
-              <a:t>semua</a:t>
-            </a:r>
-            <a:r>
-              <a:rPr lang="en-ID" dirty="0"/>
-              <a:t> </a:t>
-            </a:r>
-            <a:r>
-              <a:rPr lang="en-ID" dirty="0" err="1"/>
-              <a:t>bebras</a:t>
-            </a:r>
-            <a:r>
-              <a:rPr lang="en-ID" dirty="0"/>
-              <a:t> </a:t>
-            </a:r>
-            <a:r>
-              <a:rPr lang="en-ID" dirty="0" err="1"/>
-              <a:t>bekerja</a:t>
-            </a:r>
-            <a:r>
-              <a:rPr lang="en-ID" dirty="0"/>
-              <a:t> </a:t>
-            </a:r>
-            <a:r>
-              <a:rPr lang="en-ID" dirty="0" err="1"/>
-              <a:t>hari</a:t>
-            </a:r>
-            <a:r>
-              <a:rPr lang="en-ID" dirty="0"/>
-              <a:t> </a:t>
-            </a:r>
-            <a:r>
-              <a:rPr lang="en-ID" dirty="0" err="1"/>
-              <a:t>ini</a:t>
-            </a:r>
-            <a:r>
-              <a:rPr lang="en-ID" dirty="0"/>
-              <a:t>. Sang </a:t>
-            </a:r>
-            <a:r>
-              <a:rPr lang="en-ID" dirty="0" err="1"/>
-              <a:t>atasan</a:t>
-            </a:r>
-            <a:r>
-              <a:rPr lang="en-ID" dirty="0"/>
-              <a:t> </a:t>
-            </a:r>
-            <a:r>
-              <a:rPr lang="en-ID" dirty="0" err="1"/>
-              <a:t>membuat</a:t>
-            </a:r>
-            <a:r>
-              <a:rPr lang="en-ID" dirty="0"/>
-              <a:t> </a:t>
-            </a:r>
-            <a:r>
-              <a:rPr lang="en-ID" dirty="0" err="1"/>
-              <a:t>catatan</a:t>
-            </a:r>
-            <a:r>
-              <a:rPr lang="en-ID" dirty="0"/>
-              <a:t> </a:t>
-            </a:r>
-            <a:r>
-              <a:rPr lang="en-ID" dirty="0" err="1"/>
-              <a:t>bebras</a:t>
-            </a:r>
-            <a:r>
-              <a:rPr lang="en-ID" dirty="0"/>
-              <a:t> yang </a:t>
-            </a:r>
-            <a:r>
-              <a:rPr lang="en-ID" dirty="0" err="1"/>
-              <a:t>bekerja</a:t>
-            </a:r>
-            <a:r>
-              <a:rPr lang="en-ID" dirty="0"/>
-              <a:t> dan yang </a:t>
-            </a:r>
-            <a:r>
-              <a:rPr lang="en-ID" dirty="0" err="1"/>
-              <a:t>tidak</a:t>
-            </a:r>
-            <a:r>
-              <a:rPr lang="en-ID" dirty="0"/>
-              <a:t> </a:t>
-            </a:r>
-            <a:r>
-              <a:rPr lang="en-ID" dirty="0" err="1"/>
-              <a:t>bekerja</a:t>
-            </a:r>
-            <a:r>
-              <a:rPr lang="en-ID" dirty="0"/>
-              <a:t>, </a:t>
-            </a:r>
-            <a:r>
-              <a:rPr lang="en-ID" dirty="0" err="1"/>
-              <a:t>dengan</a:t>
-            </a:r>
-            <a:r>
-              <a:rPr lang="en-ID" dirty="0"/>
-              <a:t> </a:t>
-            </a:r>
-            <a:r>
-              <a:rPr lang="en-ID" dirty="0" err="1"/>
-              <a:t>menggunakan</a:t>
-            </a:r>
-            <a:r>
-              <a:rPr lang="en-ID" dirty="0"/>
-              <a:t> </a:t>
-            </a:r>
-            <a:r>
-              <a:rPr lang="en-ID" dirty="0" err="1"/>
-              <a:t>simbol-simbol</a:t>
-            </a:r>
-            <a:r>
-              <a:rPr lang="en-ID" dirty="0"/>
-              <a:t> </a:t>
-            </a:r>
-            <a:r>
-              <a:rPr lang="en-ID" dirty="0" err="1"/>
-              <a:t>untuk</a:t>
-            </a:r>
-            <a:r>
-              <a:rPr lang="en-ID" dirty="0"/>
-              <a:t> </a:t>
-            </a:r>
-            <a:r>
-              <a:rPr lang="en-ID" dirty="0" err="1"/>
-              <a:t>lampu</a:t>
-            </a:r>
-            <a:r>
-              <a:rPr lang="en-ID" dirty="0"/>
-              <a:t> </a:t>
-            </a:r>
-            <a:r>
-              <a:rPr lang="en-ID" dirty="0" err="1"/>
-              <a:t>menyala</a:t>
-            </a:r>
-            <a:r>
-              <a:rPr lang="en-ID" dirty="0"/>
-              <a:t> dan </a:t>
-            </a:r>
-            <a:r>
-              <a:rPr lang="en-ID" dirty="0" err="1"/>
-              <a:t>lampu</a:t>
-            </a:r>
-            <a:r>
-              <a:rPr lang="en-ID" dirty="0"/>
-              <a:t> </a:t>
-            </a:r>
-            <a:r>
-              <a:rPr lang="en-ID" dirty="0" err="1"/>
-              <a:t>mati</a:t>
-            </a:r>
-            <a:r>
-              <a:rPr lang="en-ID" dirty="0"/>
-              <a:t> yang </a:t>
-            </a:r>
-            <a:r>
-              <a:rPr lang="en-ID" dirty="0" err="1"/>
-              <a:t>berbeda</a:t>
-            </a:r>
-            <a:r>
-              <a:rPr lang="en-ID" dirty="0"/>
-              <a:t>, </a:t>
-            </a:r>
-            <a:r>
-              <a:rPr lang="en-ID" dirty="0" err="1"/>
-              <a:t>tanpa</a:t>
-            </a:r>
-            <a:r>
-              <a:rPr lang="en-ID" dirty="0"/>
-              <a:t> </a:t>
-            </a:r>
-            <a:r>
-              <a:rPr lang="en-ID" dirty="0" err="1"/>
-              <a:t>perlu</a:t>
-            </a:r>
-            <a:r>
-              <a:rPr lang="en-ID" dirty="0"/>
-              <a:t> </a:t>
-            </a:r>
-            <a:r>
-              <a:rPr lang="en-ID" dirty="0" err="1"/>
-              <a:t>tahu</a:t>
-            </a:r>
-            <a:r>
-              <a:rPr lang="en-ID" dirty="0"/>
-              <a:t> mana </a:t>
-            </a:r>
-            <a:r>
-              <a:rPr lang="en-ID" dirty="0" err="1"/>
-              <a:t>awal</a:t>
-            </a:r>
-            <a:r>
-              <a:rPr lang="en-ID" dirty="0"/>
-              <a:t> dan mana yang </a:t>
-            </a:r>
-            <a:r>
-              <a:rPr lang="en-ID" dirty="0" err="1"/>
-              <a:t>terakhir</a:t>
-            </a:r>
-            <a:r>
-              <a:rPr lang="en-ID" dirty="0"/>
-              <a:t>. </a:t>
-            </a:r>
-          </a:p>
-        </p:txBody>
-      </p:sp>
-      <p:pic>
-        <p:nvPicPr>
-          <p:cNvPr id="9" name="Picture 8">
-            <a:extLst>
-              <a:ext uri="{FF2B5EF4-FFF2-40B4-BE49-F238E27FC236}">
-                <a16:creationId xmlns:a16="http://schemas.microsoft.com/office/drawing/2014/main" id="{CE5AD2EB-F66A-C6BC-4B19-418928859E18}"/>
-              </a:ext>
-            </a:extLst>
-          </p:cNvPr>
-          <p:cNvPicPr>
-            <a:picLocks noChangeAspect="1"/>
-          </p:cNvPicPr>
-          <p:nvPr/>
-        </p:nvPicPr>
-        <p:blipFill>
-          <a:blip r:embed="rId2"/>
-          <a:stretch>
-            <a:fillRect/>
-          </a:stretch>
-        </p:blipFill>
-        <p:spPr>
-          <a:xfrm>
-            <a:off x="460141" y="2947888"/>
-            <a:ext cx="1524213" cy="1419423"/>
-          </a:xfrm>
-          <a:prstGeom prst="rect">
-            <a:avLst/>
-          </a:prstGeom>
-        </p:spPr>
-      </p:pic>
-      <p:sp>
-        <p:nvSpPr>
-          <p:cNvPr id="11" name="TextBox 10">
-            <a:extLst>
-              <a:ext uri="{FF2B5EF4-FFF2-40B4-BE49-F238E27FC236}">
-                <a16:creationId xmlns:a16="http://schemas.microsoft.com/office/drawing/2014/main" id="{51F3967C-F4CC-8886-0F7D-07F0C017E62B}"/>
-              </a:ext>
-            </a:extLst>
-          </p:cNvPr>
-          <p:cNvSpPr txBox="1"/>
-          <p:nvPr/>
-        </p:nvSpPr>
-        <p:spPr>
-          <a:xfrm>
-            <a:off x="365760" y="4614595"/>
-            <a:ext cx="6094476" cy="1477328"/>
-          </a:xfrm>
-          <a:prstGeom prst="rect">
-            <a:avLst/>
-          </a:prstGeom>
-          <a:noFill/>
-        </p:spPr>
-        <p:txBody>
-          <a:bodyPr wrap="square">
-            <a:spAutoFit/>
-          </a:bodyPr>
-          <a:lstStyle/>
-          <a:p>
-            <a:r>
-              <a:rPr lang="en-ID" dirty="0" err="1"/>
-              <a:t>Catatan</a:t>
-            </a:r>
-            <a:r>
-              <a:rPr lang="en-ID" dirty="0"/>
-              <a:t> mana yang </a:t>
-            </a:r>
-            <a:r>
-              <a:rPr lang="en-ID" dirty="0" err="1"/>
-              <a:t>sesuai</a:t>
-            </a:r>
-            <a:r>
-              <a:rPr lang="en-ID" dirty="0"/>
-              <a:t> </a:t>
-            </a:r>
-            <a:r>
-              <a:rPr lang="en-ID" dirty="0" err="1"/>
-              <a:t>dengan</a:t>
-            </a:r>
-            <a:r>
-              <a:rPr lang="en-ID" dirty="0"/>
-              <a:t> </a:t>
-            </a:r>
-            <a:r>
-              <a:rPr lang="en-ID" dirty="0" err="1"/>
-              <a:t>gambar</a:t>
-            </a:r>
-            <a:r>
-              <a:rPr lang="en-ID" dirty="0"/>
-              <a:t> di </a:t>
-            </a:r>
-            <a:r>
-              <a:rPr lang="en-ID" dirty="0" err="1"/>
-              <a:t>atas</a:t>
-            </a:r>
-            <a:r>
-              <a:rPr lang="en-ID" dirty="0"/>
-              <a:t>? </a:t>
-            </a:r>
-          </a:p>
-          <a:p>
-            <a:pPr marL="342900" indent="-342900">
-              <a:buAutoNum type="alphaLcPeriod"/>
-            </a:pPr>
-            <a:r>
-              <a:rPr lang="en-ID" dirty="0"/>
-              <a:t># &amp; &amp; &amp; # # &amp; # </a:t>
-            </a:r>
-          </a:p>
-          <a:p>
-            <a:pPr marL="342900" indent="-342900">
-              <a:buAutoNum type="alphaLcPeriod"/>
-            </a:pPr>
-            <a:r>
-              <a:rPr lang="en-ID" dirty="0"/>
-              <a:t>&amp; # &amp; &amp; &amp; # &amp; # </a:t>
-            </a:r>
-          </a:p>
-          <a:p>
-            <a:pPr marL="342900" indent="-342900">
-              <a:buAutoNum type="alphaLcPeriod"/>
-            </a:pPr>
-            <a:r>
-              <a:rPr lang="en-ID" dirty="0"/>
-              <a:t># &amp; # # &amp; &amp; &amp; &amp; </a:t>
-            </a:r>
-          </a:p>
-          <a:p>
-            <a:pPr marL="342900" indent="-342900">
-              <a:buAutoNum type="alphaLcPeriod"/>
-            </a:pPr>
-            <a:r>
-              <a:rPr lang="en-ID" dirty="0"/>
-              <a:t>&amp; &amp; # &amp; &amp; # # &amp;</a:t>
-            </a:r>
-          </a:p>
-        </p:txBody>
-      </p:sp>
-    </p:spTree>
-    <p:extLst>
-      <p:ext uri="{BB962C8B-B14F-4D97-AF65-F5344CB8AC3E}">
-        <p14:creationId xmlns:p14="http://schemas.microsoft.com/office/powerpoint/2010/main" val="991954974"/>
-      </p:ext>
-    </p:extLst>
-  </p:cSld>
-  <p:clrMapOvr>
-    <a:masterClrMapping/>
-  </p:clrMapOvr>
-</p:sld>
-</file>
-
-<file path=ppt/slides/slide18.xml><?xml version="1.0" encoding="utf-8"?>
-<p:sld xmlns:a="http://schemas.openxmlformats.org/drawingml/2006/main" xmlns:r="http://schemas.openxmlformats.org/officeDocument/2006/relationships" xmlns:p="http://schemas.openxmlformats.org/presentationml/2006/main">
-  <p:cSld>
-    <p:spTree>
-      <p:nvGrpSpPr>
-        <p:cNvPr id="1" name=""/>
-        <p:cNvGrpSpPr/>
-        <p:nvPr/>
-      </p:nvGrpSpPr>
-      <p:grpSpPr>
-        <a:xfrm>
-          <a:off x="0" y="0"/>
-          <a:ext cx="0" cy="0"/>
-          <a:chOff x="0" y="0"/>
-          <a:chExt cx="0" cy="0"/>
-        </a:xfrm>
-      </p:grpSpPr>
-      <p:sp>
-        <p:nvSpPr>
-          <p:cNvPr id="6" name="TextBox 5">
-            <a:extLst>
-              <a:ext uri="{FF2B5EF4-FFF2-40B4-BE49-F238E27FC236}">
-                <a16:creationId xmlns:a16="http://schemas.microsoft.com/office/drawing/2014/main" id="{9E19C704-BB2A-3CFD-3A4A-02453FC19AC3}"/>
-              </a:ext>
-            </a:extLst>
-          </p:cNvPr>
-          <p:cNvSpPr txBox="1"/>
-          <p:nvPr/>
-        </p:nvSpPr>
-        <p:spPr>
-          <a:xfrm>
-            <a:off x="569214" y="306431"/>
-            <a:ext cx="6094476" cy="1200329"/>
-          </a:xfrm>
-          <a:prstGeom prst="rect">
-            <a:avLst/>
-          </a:prstGeom>
-          <a:noFill/>
-        </p:spPr>
-        <p:txBody>
-          <a:bodyPr wrap="square">
-            <a:spAutoFit/>
-          </a:bodyPr>
-          <a:lstStyle/>
-          <a:p>
-            <a:r>
-              <a:rPr lang="en-ID" b="1" dirty="0"/>
-              <a:t>BAHASA </a:t>
-            </a:r>
-            <a:r>
-              <a:rPr lang="en-ID" b="1" dirty="0" err="1"/>
-              <a:t>BEBEK</a:t>
-            </a:r>
-            <a:endParaRPr lang="en-ID" b="1" dirty="0"/>
-          </a:p>
-          <a:p>
-            <a:r>
-              <a:rPr lang="en-ID" dirty="0"/>
-              <a:t>Di negeri </a:t>
-            </a:r>
-            <a:r>
-              <a:rPr lang="en-ID" dirty="0" err="1"/>
-              <a:t>Feez</a:t>
-            </a:r>
-            <a:r>
-              <a:rPr lang="en-ID" dirty="0"/>
-              <a:t> nan </a:t>
-            </a:r>
-            <a:r>
-              <a:rPr lang="en-ID" dirty="0" err="1"/>
-              <a:t>indah</a:t>
-            </a:r>
-            <a:r>
-              <a:rPr lang="en-ID" dirty="0"/>
-              <a:t> </a:t>
-            </a:r>
-            <a:r>
-              <a:rPr lang="en-ID" dirty="0" err="1"/>
-              <a:t>berlakulah</a:t>
-            </a:r>
-            <a:r>
-              <a:rPr lang="en-ID" dirty="0"/>
-              <a:t> </a:t>
-            </a:r>
-            <a:r>
-              <a:rPr lang="en-ID" dirty="0" err="1"/>
-              <a:t>bahasa</a:t>
-            </a:r>
-            <a:r>
-              <a:rPr lang="en-ID" dirty="0"/>
-              <a:t> </a:t>
-            </a:r>
-            <a:r>
-              <a:rPr lang="en-ID" dirty="0" err="1"/>
-              <a:t>Feez</a:t>
-            </a:r>
-            <a:r>
-              <a:rPr lang="en-ID" dirty="0"/>
-              <a:t> yang </a:t>
-            </a:r>
-            <a:r>
-              <a:rPr lang="en-ID" dirty="0" err="1"/>
-              <a:t>digunakan</a:t>
-            </a:r>
-            <a:r>
-              <a:rPr lang="en-ID" dirty="0"/>
-              <a:t> </a:t>
-            </a:r>
-            <a:r>
-              <a:rPr lang="en-ID" dirty="0" err="1"/>
-              <a:t>rakyatnya</a:t>
-            </a:r>
-            <a:r>
-              <a:rPr lang="en-ID" dirty="0"/>
-              <a:t> </a:t>
-            </a:r>
-            <a:r>
-              <a:rPr lang="en-ID" dirty="0" err="1"/>
-              <a:t>untuk</a:t>
-            </a:r>
-            <a:r>
-              <a:rPr lang="en-ID" dirty="0"/>
-              <a:t> </a:t>
-            </a:r>
-            <a:r>
-              <a:rPr lang="en-ID" dirty="0" err="1"/>
-              <a:t>berkomunikasi</a:t>
-            </a:r>
-            <a:r>
-              <a:rPr lang="en-ID" dirty="0"/>
-              <a:t>. </a:t>
-            </a:r>
-            <a:r>
-              <a:rPr lang="en-ID" dirty="0" err="1"/>
-              <a:t>Contohnya</a:t>
-            </a:r>
-            <a:r>
-              <a:rPr lang="en-ID" dirty="0"/>
-              <a:t> </a:t>
-            </a:r>
-            <a:r>
-              <a:rPr lang="en-ID" dirty="0" err="1"/>
-              <a:t>diberikan</a:t>
-            </a:r>
-            <a:r>
-              <a:rPr lang="en-ID" dirty="0"/>
-              <a:t> </a:t>
-            </a:r>
-            <a:r>
-              <a:rPr lang="en-ID" dirty="0" err="1"/>
-              <a:t>suatu</a:t>
-            </a:r>
-            <a:r>
-              <a:rPr lang="en-ID" dirty="0"/>
-              <a:t> </a:t>
-            </a:r>
-            <a:r>
-              <a:rPr lang="en-ID" dirty="0" err="1"/>
-              <a:t>kalimat</a:t>
-            </a:r>
-            <a:r>
-              <a:rPr lang="en-ID" dirty="0"/>
-              <a:t> :</a:t>
-            </a:r>
-          </a:p>
-        </p:txBody>
-      </p:sp>
-      <p:sp>
-        <p:nvSpPr>
-          <p:cNvPr id="12" name="TextBox 11">
-            <a:extLst>
-              <a:ext uri="{FF2B5EF4-FFF2-40B4-BE49-F238E27FC236}">
-                <a16:creationId xmlns:a16="http://schemas.microsoft.com/office/drawing/2014/main" id="{764B1EF3-6520-49AE-84C3-5280D9C16ACB}"/>
-              </a:ext>
-            </a:extLst>
-          </p:cNvPr>
-          <p:cNvSpPr txBox="1"/>
-          <p:nvPr/>
-        </p:nvSpPr>
-        <p:spPr>
-          <a:xfrm>
-            <a:off x="569214" y="1506760"/>
-            <a:ext cx="6094476" cy="2585323"/>
-          </a:xfrm>
-          <a:prstGeom prst="rect">
-            <a:avLst/>
-          </a:prstGeom>
-          <a:noFill/>
-        </p:spPr>
-        <p:txBody>
-          <a:bodyPr wrap="square">
-            <a:spAutoFit/>
-          </a:bodyPr>
-          <a:lstStyle/>
-          <a:p>
-            <a:endParaRPr lang="en-ID" b="1" dirty="0"/>
-          </a:p>
-          <a:p>
-            <a:r>
-              <a:rPr lang="en-ID" b="1" dirty="0" err="1"/>
-              <a:t>FAJEENIKETWAZAALMPSI</a:t>
-            </a:r>
-            <a:r>
-              <a:rPr lang="en-ID" b="1" dirty="0"/>
-              <a:t> , </a:t>
-            </a:r>
-            <a:r>
-              <a:rPr lang="en-ID" b="1" dirty="0" err="1"/>
-              <a:t>m</a:t>
-            </a:r>
-            <a:r>
-              <a:rPr lang="en-ID" dirty="0" err="1"/>
-              <a:t>emiliki</a:t>
-            </a:r>
-            <a:r>
-              <a:rPr lang="en-ID" dirty="0"/>
-              <a:t> arti </a:t>
-            </a:r>
-            <a:r>
-              <a:rPr lang="en-ID" dirty="0" err="1"/>
-              <a:t>dalam</a:t>
-            </a:r>
-            <a:r>
-              <a:rPr lang="en-ID" dirty="0"/>
-              <a:t> </a:t>
-            </a:r>
-            <a:r>
-              <a:rPr lang="en-ID" dirty="0" err="1"/>
-              <a:t>bahasa</a:t>
-            </a:r>
-            <a:r>
-              <a:rPr lang="en-ID" dirty="0"/>
-              <a:t> Indonesia </a:t>
-            </a:r>
-            <a:r>
-              <a:rPr lang="en-ID" dirty="0" err="1"/>
-              <a:t>yaitu</a:t>
-            </a:r>
-            <a:r>
-              <a:rPr lang="en-ID" dirty="0"/>
-              <a:t> : </a:t>
-            </a:r>
-            <a:r>
-              <a:rPr lang="en-ID" b="1" dirty="0" err="1"/>
-              <a:t>FEEZMANTAPJIWASEKALI</a:t>
-            </a:r>
-            <a:r>
-              <a:rPr lang="en-ID" dirty="0"/>
-              <a:t> </a:t>
-            </a:r>
-          </a:p>
-          <a:p>
-            <a:endParaRPr lang="en-ID" dirty="0"/>
-          </a:p>
-          <a:p>
-            <a:r>
-              <a:rPr lang="en-ID" dirty="0" err="1"/>
-              <a:t>Sekarang</a:t>
-            </a:r>
-            <a:r>
-              <a:rPr lang="en-ID" dirty="0"/>
-              <a:t> Arya </a:t>
-            </a:r>
-            <a:r>
-              <a:rPr lang="en-ID" dirty="0" err="1"/>
-              <a:t>ingin</a:t>
-            </a:r>
-            <a:r>
-              <a:rPr lang="en-ID" dirty="0"/>
-              <a:t> </a:t>
-            </a:r>
-            <a:r>
-              <a:rPr lang="en-ID" dirty="0" err="1"/>
-              <a:t>mencari</a:t>
-            </a:r>
-            <a:r>
-              <a:rPr lang="en-ID" dirty="0"/>
-              <a:t> arti </a:t>
-            </a:r>
-            <a:r>
-              <a:rPr lang="en-ID" dirty="0" err="1"/>
-              <a:t>dari</a:t>
-            </a:r>
-            <a:r>
-              <a:rPr lang="en-ID" dirty="0"/>
-              <a:t> </a:t>
-            </a:r>
-            <a:r>
-              <a:rPr lang="en-ID" dirty="0" err="1"/>
-              <a:t>kehidupan</a:t>
-            </a:r>
-            <a:r>
-              <a:rPr lang="en-ID" dirty="0"/>
-              <a:t> </a:t>
-            </a:r>
-            <a:r>
-              <a:rPr lang="en-ID" dirty="0" err="1"/>
-              <a:t>ini</a:t>
-            </a:r>
-            <a:r>
-              <a:rPr lang="en-ID" dirty="0"/>
-              <a:t> dan arti </a:t>
-            </a:r>
-            <a:r>
-              <a:rPr lang="en-ID" dirty="0" err="1"/>
-              <a:t>dari</a:t>
-            </a:r>
-            <a:r>
-              <a:rPr lang="en-ID" dirty="0"/>
-              <a:t> </a:t>
-            </a:r>
-            <a:r>
-              <a:rPr lang="en-ID" dirty="0" err="1"/>
-              <a:t>bahasa</a:t>
-            </a:r>
-            <a:r>
-              <a:rPr lang="en-ID" dirty="0"/>
-              <a:t> </a:t>
-            </a:r>
-            <a:r>
-              <a:rPr lang="en-ID" dirty="0" err="1"/>
-              <a:t>Feez</a:t>
-            </a:r>
-            <a:r>
-              <a:rPr lang="en-ID" dirty="0"/>
-              <a:t> yang </a:t>
-            </a:r>
-            <a:r>
-              <a:rPr lang="en-ID" dirty="0" err="1"/>
-              <a:t>kalimatnya</a:t>
-            </a:r>
-            <a:r>
-              <a:rPr lang="en-ID" dirty="0"/>
-              <a:t> : </a:t>
-            </a:r>
-            <a:r>
-              <a:rPr lang="en-ID" b="1" dirty="0" err="1"/>
-              <a:t>ANIMKTMAUAENCARCINOE</a:t>
-            </a:r>
-            <a:r>
-              <a:rPr lang="en-ID" b="1" dirty="0"/>
-              <a:t> </a:t>
-            </a:r>
-          </a:p>
-          <a:p>
-            <a:endParaRPr lang="en-ID" b="1" dirty="0"/>
-          </a:p>
-          <a:p>
-            <a:r>
-              <a:rPr lang="en-ID" dirty="0" err="1"/>
-              <a:t>Tuliskan</a:t>
-            </a:r>
-            <a:r>
-              <a:rPr lang="en-ID" dirty="0"/>
-              <a:t> arti </a:t>
-            </a:r>
-            <a:r>
-              <a:rPr lang="en-ID" dirty="0" err="1"/>
-              <a:t>kalimat</a:t>
-            </a:r>
-            <a:r>
-              <a:rPr lang="en-ID" dirty="0"/>
-              <a:t> </a:t>
-            </a:r>
-            <a:r>
-              <a:rPr lang="en-ID" dirty="0" err="1"/>
-              <a:t>dalam</a:t>
-            </a:r>
-            <a:r>
-              <a:rPr lang="en-ID" dirty="0"/>
-              <a:t> </a:t>
-            </a:r>
-            <a:r>
-              <a:rPr lang="en-ID" dirty="0" err="1"/>
-              <a:t>bahasa</a:t>
-            </a:r>
-            <a:r>
-              <a:rPr lang="en-ID" dirty="0"/>
-              <a:t> </a:t>
-            </a:r>
-            <a:r>
-              <a:rPr lang="en-ID" dirty="0" err="1"/>
-              <a:t>Feez</a:t>
-            </a:r>
-            <a:r>
-              <a:rPr lang="en-ID" dirty="0"/>
-              <a:t> di </a:t>
-            </a:r>
-            <a:r>
-              <a:rPr lang="en-ID" dirty="0" err="1"/>
-              <a:t>atas</a:t>
-            </a:r>
-            <a:r>
-              <a:rPr lang="en-ID" dirty="0"/>
-              <a:t>!{</a:t>
-            </a:r>
-            <a:r>
-              <a:rPr lang="en-ID" dirty="0" err="1"/>
-              <a:t>tuliskan</a:t>
-            </a:r>
-            <a:r>
-              <a:rPr lang="en-ID" dirty="0"/>
-              <a:t> </a:t>
-            </a:r>
-            <a:r>
-              <a:rPr lang="en-ID" dirty="0" err="1"/>
-              <a:t>kalimat</a:t>
-            </a:r>
-            <a:r>
-              <a:rPr lang="en-ID" dirty="0"/>
-              <a:t> </a:t>
-            </a:r>
-            <a:r>
-              <a:rPr lang="en-ID" dirty="0" err="1"/>
-              <a:t>dalam</a:t>
-            </a:r>
-            <a:r>
-              <a:rPr lang="en-ID" dirty="0"/>
-              <a:t> </a:t>
-            </a:r>
-            <a:r>
-              <a:rPr lang="en-ID" dirty="0" err="1"/>
-              <a:t>huruf</a:t>
-            </a:r>
-            <a:r>
-              <a:rPr lang="en-ID" dirty="0"/>
-              <a:t> </a:t>
-            </a:r>
-            <a:r>
-              <a:rPr lang="en-ID" dirty="0" err="1"/>
-              <a:t>kapital</a:t>
-            </a:r>
-            <a:r>
-              <a:rPr lang="en-ID" dirty="0"/>
-              <a:t> </a:t>
-            </a:r>
-            <a:r>
-              <a:rPr lang="en-ID" dirty="0" err="1"/>
-              <a:t>tanpa</a:t>
-            </a:r>
-            <a:r>
-              <a:rPr lang="en-ID" dirty="0"/>
-              <a:t> </a:t>
-            </a:r>
-            <a:r>
-              <a:rPr lang="en-ID" dirty="0" err="1"/>
-              <a:t>spasi</a:t>
-            </a:r>
-            <a:r>
-              <a:rPr lang="en-ID" dirty="0"/>
-              <a:t>!}</a:t>
-            </a:r>
-          </a:p>
-        </p:txBody>
-      </p:sp>
-    </p:spTree>
-    <p:extLst>
-      <p:ext uri="{BB962C8B-B14F-4D97-AF65-F5344CB8AC3E}">
-        <p14:creationId xmlns:p14="http://schemas.microsoft.com/office/powerpoint/2010/main" val="141832677"/>
-      </p:ext>
-    </p:extLst>
-  </p:cSld>
-  <p:clrMapOvr>
-    <a:masterClrMapping/>
-  </p:clrMapOvr>
-</p:sld>
-</file>
-
-<file path=ppt/slides/slide19.xml><?xml version="1.0" encoding="utf-8"?>
-<p:sld xmlns:a="http://schemas.openxmlformats.org/drawingml/2006/main" xmlns:r="http://schemas.openxmlformats.org/officeDocument/2006/relationships" xmlns:p="http://schemas.openxmlformats.org/presentationml/2006/main">
-  <p:cSld>
-    <p:spTree>
-      <p:nvGrpSpPr>
-        <p:cNvPr id="1" name=""/>
-        <p:cNvGrpSpPr/>
-        <p:nvPr/>
-      </p:nvGrpSpPr>
-      <p:grpSpPr>
-        <a:xfrm>
-          <a:off x="0" y="0"/>
-          <a:ext cx="0" cy="0"/>
-          <a:chOff x="0" y="0"/>
-          <a:chExt cx="0" cy="0"/>
-        </a:xfrm>
-      </p:grpSpPr>
-      <p:sp>
-        <p:nvSpPr>
-          <p:cNvPr id="3" name="TextBox 2">
-            <a:extLst>
-              <a:ext uri="{FF2B5EF4-FFF2-40B4-BE49-F238E27FC236}">
-                <a16:creationId xmlns:a16="http://schemas.microsoft.com/office/drawing/2014/main" id="{CE088E58-9076-7B66-FEB4-FCD64AF0C8EB}"/>
-              </a:ext>
-            </a:extLst>
-          </p:cNvPr>
-          <p:cNvSpPr txBox="1"/>
-          <p:nvPr/>
-        </p:nvSpPr>
-        <p:spPr>
-          <a:xfrm>
-            <a:off x="468630" y="350812"/>
-            <a:ext cx="6094476" cy="1200329"/>
-          </a:xfrm>
-          <a:prstGeom prst="rect">
-            <a:avLst/>
-          </a:prstGeom>
-          <a:noFill/>
-        </p:spPr>
-        <p:txBody>
-          <a:bodyPr wrap="square">
-            <a:spAutoFit/>
-          </a:bodyPr>
-          <a:lstStyle/>
-          <a:p>
-            <a:r>
-              <a:rPr lang="en-ID" b="1" dirty="0" err="1"/>
-              <a:t>LABIRIN</a:t>
-            </a:r>
-            <a:r>
-              <a:rPr lang="en-ID" dirty="0"/>
-              <a:t> </a:t>
-            </a:r>
-          </a:p>
-          <a:p>
-            <a:r>
-              <a:rPr lang="en-ID" dirty="0"/>
-              <a:t>Yola </a:t>
-            </a:r>
-            <a:r>
-              <a:rPr lang="en-ID" dirty="0" err="1"/>
-              <a:t>sedang</a:t>
-            </a:r>
-            <a:r>
-              <a:rPr lang="en-ID" dirty="0"/>
-              <a:t> </a:t>
-            </a:r>
-            <a:r>
-              <a:rPr lang="en-ID" dirty="0" err="1"/>
-              <a:t>menyusun</a:t>
-            </a:r>
-            <a:r>
-              <a:rPr lang="en-ID" dirty="0"/>
-              <a:t> </a:t>
-            </a:r>
-            <a:r>
-              <a:rPr lang="en-ID" dirty="0" err="1"/>
-              <a:t>sekumpulan</a:t>
-            </a:r>
-            <a:r>
-              <a:rPr lang="en-ID" dirty="0"/>
-              <a:t> </a:t>
-            </a:r>
-            <a:r>
-              <a:rPr lang="en-ID" dirty="0" err="1"/>
-              <a:t>tanda</a:t>
-            </a:r>
-            <a:r>
-              <a:rPr lang="en-ID" dirty="0"/>
-              <a:t> </a:t>
-            </a:r>
-            <a:r>
-              <a:rPr lang="en-ID" dirty="0" err="1"/>
-              <a:t>panah</a:t>
-            </a:r>
-            <a:r>
-              <a:rPr lang="en-ID" dirty="0"/>
-              <a:t> yang </a:t>
-            </a:r>
-            <a:r>
-              <a:rPr lang="en-ID" dirty="0" err="1"/>
-              <a:t>dapat</a:t>
-            </a:r>
-            <a:r>
-              <a:rPr lang="en-ID" dirty="0"/>
-              <a:t> </a:t>
-            </a:r>
-            <a:r>
-              <a:rPr lang="en-ID" dirty="0" err="1"/>
-              <a:t>mengarahkan</a:t>
-            </a:r>
-            <a:r>
-              <a:rPr lang="en-ID" dirty="0"/>
-              <a:t> bola </a:t>
-            </a:r>
-            <a:r>
-              <a:rPr lang="en-ID" dirty="0" err="1"/>
-              <a:t>hijau</a:t>
-            </a:r>
-            <a:r>
-              <a:rPr lang="en-ID" dirty="0"/>
-              <a:t> </a:t>
-            </a:r>
-            <a:r>
-              <a:rPr lang="en-ID" dirty="0" err="1"/>
-              <a:t>tersebut</a:t>
-            </a:r>
-            <a:r>
-              <a:rPr lang="en-ID" dirty="0"/>
-              <a:t> </a:t>
-            </a:r>
-            <a:r>
-              <a:rPr lang="en-ID" dirty="0" err="1"/>
-              <a:t>menuju</a:t>
-            </a:r>
-            <a:r>
-              <a:rPr lang="en-ID" dirty="0"/>
-              <a:t> </a:t>
-            </a:r>
-            <a:r>
-              <a:rPr lang="en-ID" dirty="0" err="1"/>
-              <a:t>pintu</a:t>
-            </a:r>
-            <a:r>
-              <a:rPr lang="en-ID" dirty="0"/>
-              <a:t> </a:t>
-            </a:r>
-            <a:r>
-              <a:rPr lang="en-ID" dirty="0" err="1"/>
-              <a:t>keluar</a:t>
-            </a:r>
-            <a:r>
-              <a:rPr lang="en-ID" dirty="0"/>
-              <a:t> yang </a:t>
-            </a:r>
-            <a:r>
-              <a:rPr lang="en-ID" dirty="0" err="1"/>
-              <a:t>ditandai</a:t>
-            </a:r>
-            <a:r>
-              <a:rPr lang="en-ID" dirty="0"/>
-              <a:t> </a:t>
-            </a:r>
-            <a:r>
-              <a:rPr lang="en-ID" dirty="0" err="1"/>
-              <a:t>dengan</a:t>
-            </a:r>
-            <a:r>
-              <a:rPr lang="en-ID" dirty="0"/>
-              <a:t> x.</a:t>
-            </a:r>
-          </a:p>
-        </p:txBody>
-      </p:sp>
-      <p:pic>
-        <p:nvPicPr>
-          <p:cNvPr id="5" name="Picture 4">
-            <a:extLst>
-              <a:ext uri="{FF2B5EF4-FFF2-40B4-BE49-F238E27FC236}">
-                <a16:creationId xmlns:a16="http://schemas.microsoft.com/office/drawing/2014/main" id="{95B6B18D-4B56-9364-8CDE-E70CF479919F}"/>
-              </a:ext>
-            </a:extLst>
-          </p:cNvPr>
-          <p:cNvPicPr>
-            <a:picLocks noChangeAspect="1"/>
-          </p:cNvPicPr>
-          <p:nvPr/>
-        </p:nvPicPr>
-        <p:blipFill>
-          <a:blip r:embed="rId2"/>
-          <a:stretch>
-            <a:fillRect/>
-          </a:stretch>
-        </p:blipFill>
-        <p:spPr>
-          <a:xfrm>
-            <a:off x="589352" y="1683754"/>
-            <a:ext cx="3515216" cy="1076475"/>
-          </a:xfrm>
-          <a:prstGeom prst="rect">
-            <a:avLst/>
-          </a:prstGeom>
-        </p:spPr>
-      </p:pic>
-      <p:sp>
-        <p:nvSpPr>
-          <p:cNvPr id="8" name="TextBox 7">
-            <a:extLst>
-              <a:ext uri="{FF2B5EF4-FFF2-40B4-BE49-F238E27FC236}">
-                <a16:creationId xmlns:a16="http://schemas.microsoft.com/office/drawing/2014/main" id="{8E0D0DEF-202A-5BE6-E2DE-3F30F475167B}"/>
-              </a:ext>
-            </a:extLst>
-          </p:cNvPr>
-          <p:cNvSpPr txBox="1"/>
-          <p:nvPr/>
-        </p:nvSpPr>
-        <p:spPr>
-          <a:xfrm>
-            <a:off x="468630" y="2892842"/>
-            <a:ext cx="6094476" cy="369332"/>
-          </a:xfrm>
-          <a:prstGeom prst="rect">
-            <a:avLst/>
-          </a:prstGeom>
-          <a:noFill/>
-        </p:spPr>
-        <p:txBody>
-          <a:bodyPr wrap="square">
-            <a:spAutoFit/>
-          </a:bodyPr>
-          <a:lstStyle/>
-          <a:p>
-            <a:r>
-              <a:rPr lang="en-ID" dirty="0" err="1"/>
-              <a:t>Jenis</a:t>
-            </a:r>
-            <a:r>
-              <a:rPr lang="en-ID" dirty="0"/>
-              <a:t> </a:t>
-            </a:r>
-            <a:r>
-              <a:rPr lang="en-ID" dirty="0" err="1"/>
-              <a:t>tanda</a:t>
-            </a:r>
-            <a:r>
-              <a:rPr lang="en-ID" dirty="0"/>
-              <a:t> </a:t>
-            </a:r>
-            <a:r>
-              <a:rPr lang="en-ID" dirty="0" err="1"/>
-              <a:t>panah</a:t>
-            </a:r>
-            <a:r>
-              <a:rPr lang="en-ID" dirty="0"/>
-              <a:t> yang </a:t>
-            </a:r>
-            <a:r>
-              <a:rPr lang="en-ID" dirty="0" err="1"/>
-              <a:t>dimiliki</a:t>
-            </a:r>
-            <a:r>
-              <a:rPr lang="en-ID" dirty="0"/>
-              <a:t> oleh Yola </a:t>
-            </a:r>
-            <a:r>
-              <a:rPr lang="en-ID" dirty="0" err="1"/>
-              <a:t>adalah</a:t>
-            </a:r>
-            <a:endParaRPr lang="en-ID" dirty="0"/>
-          </a:p>
-        </p:txBody>
-      </p:sp>
-      <p:pic>
-        <p:nvPicPr>
-          <p:cNvPr id="10" name="Picture 9">
-            <a:extLst>
-              <a:ext uri="{FF2B5EF4-FFF2-40B4-BE49-F238E27FC236}">
-                <a16:creationId xmlns:a16="http://schemas.microsoft.com/office/drawing/2014/main" id="{5FC4D2F1-8DD0-A085-F4D2-AFAEFD20E791}"/>
-              </a:ext>
-            </a:extLst>
-          </p:cNvPr>
-          <p:cNvPicPr>
-            <a:picLocks noChangeAspect="1"/>
-          </p:cNvPicPr>
-          <p:nvPr/>
-        </p:nvPicPr>
-        <p:blipFill>
-          <a:blip r:embed="rId3"/>
-          <a:stretch>
-            <a:fillRect/>
-          </a:stretch>
-        </p:blipFill>
-        <p:spPr>
-          <a:xfrm>
-            <a:off x="589352" y="3264409"/>
-            <a:ext cx="1752845" cy="428685"/>
-          </a:xfrm>
-          <a:prstGeom prst="rect">
-            <a:avLst/>
-          </a:prstGeom>
-        </p:spPr>
-      </p:pic>
-      <p:sp>
-        <p:nvSpPr>
-          <p:cNvPr id="13" name="TextBox 12">
-            <a:extLst>
-              <a:ext uri="{FF2B5EF4-FFF2-40B4-BE49-F238E27FC236}">
-                <a16:creationId xmlns:a16="http://schemas.microsoft.com/office/drawing/2014/main" id="{BADC260B-06D0-B885-02F8-59559BA71EFF}"/>
-              </a:ext>
-            </a:extLst>
-          </p:cNvPr>
-          <p:cNvSpPr txBox="1"/>
-          <p:nvPr/>
-        </p:nvSpPr>
-        <p:spPr>
-          <a:xfrm>
-            <a:off x="484632" y="3865211"/>
-            <a:ext cx="6094476" cy="1477328"/>
-          </a:xfrm>
-          <a:prstGeom prst="rect">
-            <a:avLst/>
-          </a:prstGeom>
-          <a:noFill/>
-        </p:spPr>
-        <p:txBody>
-          <a:bodyPr wrap="square">
-            <a:spAutoFit/>
-          </a:bodyPr>
-          <a:lstStyle/>
-          <a:p>
-            <a:r>
-              <a:rPr lang="en-ID" dirty="0"/>
-              <a:t>Yola </a:t>
-            </a:r>
-            <a:r>
-              <a:rPr lang="en-ID" dirty="0" err="1"/>
-              <a:t>hanya</a:t>
-            </a:r>
-            <a:r>
-              <a:rPr lang="en-ID" dirty="0"/>
-              <a:t> </a:t>
-            </a:r>
-            <a:r>
-              <a:rPr lang="en-ID" dirty="0" err="1"/>
-              <a:t>diperbolehkan</a:t>
-            </a:r>
-            <a:r>
-              <a:rPr lang="en-ID" dirty="0"/>
-              <a:t> </a:t>
-            </a:r>
-            <a:r>
-              <a:rPr lang="en-ID" dirty="0" err="1"/>
-              <a:t>menggunakan</a:t>
-            </a:r>
-            <a:r>
-              <a:rPr lang="en-ID" dirty="0"/>
-              <a:t> 8 </a:t>
-            </a:r>
-            <a:r>
-              <a:rPr lang="en-ID" dirty="0" err="1"/>
-              <a:t>buah</a:t>
-            </a:r>
-            <a:r>
-              <a:rPr lang="en-ID" dirty="0"/>
-              <a:t> </a:t>
-            </a:r>
-            <a:r>
-              <a:rPr lang="en-ID" dirty="0" err="1"/>
-              <a:t>tanda</a:t>
-            </a:r>
-            <a:r>
-              <a:rPr lang="en-ID" dirty="0"/>
-              <a:t> </a:t>
-            </a:r>
-            <a:r>
-              <a:rPr lang="en-ID" dirty="0" err="1"/>
-              <a:t>panah</a:t>
-            </a:r>
-            <a:r>
-              <a:rPr lang="en-ID" dirty="0"/>
-              <a:t>. </a:t>
-            </a:r>
-            <a:r>
-              <a:rPr lang="en-ID" dirty="0" err="1"/>
-              <a:t>Sekumpulan</a:t>
-            </a:r>
-            <a:r>
-              <a:rPr lang="en-ID" dirty="0"/>
-              <a:t> </a:t>
-            </a:r>
-            <a:r>
-              <a:rPr lang="en-ID" dirty="0" err="1"/>
-              <a:t>tanda</a:t>
-            </a:r>
-            <a:r>
-              <a:rPr lang="en-ID" dirty="0"/>
-              <a:t> </a:t>
-            </a:r>
-            <a:r>
-              <a:rPr lang="en-ID" dirty="0" err="1"/>
-              <a:t>panah</a:t>
-            </a:r>
-            <a:r>
-              <a:rPr lang="en-ID" dirty="0"/>
-              <a:t> yang </a:t>
-            </a:r>
-            <a:r>
-              <a:rPr lang="en-ID" dirty="0" err="1"/>
-              <a:t>disusun</a:t>
-            </a:r>
-            <a:r>
-              <a:rPr lang="en-ID" dirty="0"/>
-              <a:t> oleh Yola </a:t>
-            </a:r>
-            <a:r>
-              <a:rPr lang="en-ID" dirty="0" err="1"/>
-              <a:t>akan</a:t>
-            </a:r>
-            <a:r>
-              <a:rPr lang="en-ID" dirty="0"/>
-              <a:t> </a:t>
-            </a:r>
-            <a:r>
-              <a:rPr lang="en-ID" dirty="0" err="1"/>
-              <a:t>diulang</a:t>
-            </a:r>
-            <a:r>
-              <a:rPr lang="en-ID" dirty="0"/>
-              <a:t> </a:t>
-            </a:r>
-            <a:r>
-              <a:rPr lang="en-ID" dirty="0" err="1"/>
-              <a:t>sebanyak</a:t>
-            </a:r>
-            <a:r>
-              <a:rPr lang="en-ID" dirty="0"/>
-              <a:t> 4 kali. Bola </a:t>
-            </a:r>
-            <a:r>
-              <a:rPr lang="en-ID" dirty="0" err="1"/>
-              <a:t>hanya</a:t>
-            </a:r>
-            <a:r>
-              <a:rPr lang="en-ID" dirty="0"/>
-              <a:t> </a:t>
-            </a:r>
-            <a:r>
-              <a:rPr lang="en-ID" dirty="0" err="1"/>
-              <a:t>dapat</a:t>
-            </a:r>
-            <a:r>
-              <a:rPr lang="en-ID" dirty="0"/>
-              <a:t> </a:t>
-            </a:r>
-            <a:r>
-              <a:rPr lang="en-ID" dirty="0" err="1"/>
-              <a:t>bergerak</a:t>
-            </a:r>
-            <a:r>
-              <a:rPr lang="en-ID" dirty="0"/>
-              <a:t> di </a:t>
-            </a:r>
-            <a:r>
-              <a:rPr lang="en-ID" dirty="0" err="1"/>
-              <a:t>kotak</a:t>
-            </a:r>
-            <a:r>
-              <a:rPr lang="en-ID" dirty="0"/>
-              <a:t> yang </a:t>
-            </a:r>
-            <a:r>
-              <a:rPr lang="en-ID" dirty="0" err="1"/>
-              <a:t>berwarna</a:t>
-            </a:r>
-            <a:r>
-              <a:rPr lang="en-ID" dirty="0"/>
-              <a:t> </a:t>
-            </a:r>
-            <a:r>
-              <a:rPr lang="en-ID" dirty="0" err="1"/>
-              <a:t>putih</a:t>
-            </a:r>
-            <a:r>
-              <a:rPr lang="en-ID" dirty="0"/>
-              <a:t>. </a:t>
-            </a:r>
-            <a:r>
-              <a:rPr lang="en-ID" dirty="0" err="1"/>
-              <a:t>tanda</a:t>
-            </a:r>
-            <a:r>
-              <a:rPr lang="en-ID" dirty="0"/>
-              <a:t> </a:t>
-            </a:r>
-            <a:r>
-              <a:rPr lang="en-ID" dirty="0" err="1"/>
-              <a:t>panah</a:t>
-            </a:r>
-            <a:r>
-              <a:rPr lang="en-ID" dirty="0"/>
-              <a:t> yang </a:t>
-            </a:r>
-            <a:r>
-              <a:rPr lang="en-ID" dirty="0" err="1"/>
-              <a:t>dapat</a:t>
-            </a:r>
-            <a:r>
-              <a:rPr lang="en-ID" dirty="0"/>
-              <a:t> </a:t>
-            </a:r>
-            <a:r>
-              <a:rPr lang="en-ID" dirty="0" err="1"/>
-              <a:t>mengarahkan</a:t>
-            </a:r>
-            <a:r>
-              <a:rPr lang="en-ID" dirty="0"/>
-              <a:t> bola </a:t>
-            </a:r>
-            <a:r>
-              <a:rPr lang="en-ID" dirty="0" err="1"/>
-              <a:t>hijau</a:t>
-            </a:r>
-            <a:r>
-              <a:rPr lang="en-ID" dirty="0"/>
-              <a:t> </a:t>
-            </a:r>
-            <a:r>
-              <a:rPr lang="en-ID" dirty="0" err="1"/>
-              <a:t>menuju</a:t>
-            </a:r>
-            <a:r>
-              <a:rPr lang="en-ID" dirty="0"/>
-              <a:t> </a:t>
-            </a:r>
-            <a:r>
-              <a:rPr lang="en-ID" dirty="0" err="1"/>
-              <a:t>kotak</a:t>
-            </a:r>
-            <a:r>
-              <a:rPr lang="en-ID" dirty="0"/>
-              <a:t> yang </a:t>
-            </a:r>
-            <a:r>
-              <a:rPr lang="en-ID" dirty="0" err="1"/>
-              <a:t>ditandai</a:t>
-            </a:r>
-            <a:r>
-              <a:rPr lang="en-ID" dirty="0"/>
-              <a:t> </a:t>
-            </a:r>
-            <a:r>
-              <a:rPr lang="en-ID" dirty="0" err="1"/>
-              <a:t>dengan</a:t>
-            </a:r>
-            <a:r>
-              <a:rPr lang="en-ID" dirty="0"/>
-              <a:t> ‘x’ </a:t>
-            </a:r>
-            <a:r>
-              <a:rPr lang="en-ID" dirty="0" err="1"/>
-              <a:t>adalah</a:t>
-            </a:r>
-            <a:r>
-              <a:rPr lang="en-ID" dirty="0"/>
-              <a:t> …</a:t>
-            </a:r>
-          </a:p>
-        </p:txBody>
-      </p:sp>
-      <p:pic>
-        <p:nvPicPr>
-          <p:cNvPr id="15" name="Picture 14">
-            <a:extLst>
-              <a:ext uri="{FF2B5EF4-FFF2-40B4-BE49-F238E27FC236}">
-                <a16:creationId xmlns:a16="http://schemas.microsoft.com/office/drawing/2014/main" id="{61C16064-19BD-232C-755E-CAE9CC6709ED}"/>
-              </a:ext>
-            </a:extLst>
-          </p:cNvPr>
-          <p:cNvPicPr>
-            <a:picLocks noChangeAspect="1"/>
-          </p:cNvPicPr>
-          <p:nvPr/>
-        </p:nvPicPr>
-        <p:blipFill>
-          <a:blip r:embed="rId4"/>
-          <a:stretch>
-            <a:fillRect/>
-          </a:stretch>
-        </p:blipFill>
-        <p:spPr>
-          <a:xfrm>
-            <a:off x="6753938" y="202529"/>
-            <a:ext cx="2563798" cy="1257315"/>
-          </a:xfrm>
-          <a:prstGeom prst="rect">
-            <a:avLst/>
-          </a:prstGeom>
-        </p:spPr>
-      </p:pic>
-    </p:spTree>
-    <p:extLst>
-      <p:ext uri="{BB962C8B-B14F-4D97-AF65-F5344CB8AC3E}">
-        <p14:creationId xmlns:p14="http://schemas.microsoft.com/office/powerpoint/2010/main" val="1545623353"/>
       </p:ext>
     </p:extLst>
   </p:cSld>
@@ -6239,6 +4568,1359 @@
       </p:grpSpPr>
       <p:pic>
         <p:nvPicPr>
+          <p:cNvPr id="3" name="Picture 2">
+            <a:extLst>
+              <a:ext uri="{FF2B5EF4-FFF2-40B4-BE49-F238E27FC236}">
+                <a16:creationId xmlns:a16="http://schemas.microsoft.com/office/drawing/2014/main" id="{69FE8E72-6024-A79B-6D56-E3E74B525910}"/>
+              </a:ext>
+            </a:extLst>
+          </p:cNvPr>
+          <p:cNvPicPr>
+            <a:picLocks noChangeAspect="1"/>
+          </p:cNvPicPr>
+          <p:nvPr/>
+        </p:nvPicPr>
+        <p:blipFill>
+          <a:blip r:embed="rId2"/>
+          <a:stretch>
+            <a:fillRect/>
+          </a:stretch>
+        </p:blipFill>
+        <p:spPr>
+          <a:xfrm>
+            <a:off x="487032" y="360455"/>
+            <a:ext cx="3829584" cy="2314898"/>
+          </a:xfrm>
+          <a:prstGeom prst="rect">
+            <a:avLst/>
+          </a:prstGeom>
+        </p:spPr>
+      </p:pic>
+      <p:sp>
+        <p:nvSpPr>
+          <p:cNvPr id="5" name="TextBox 4">
+            <a:extLst>
+              <a:ext uri="{FF2B5EF4-FFF2-40B4-BE49-F238E27FC236}">
+                <a16:creationId xmlns:a16="http://schemas.microsoft.com/office/drawing/2014/main" id="{4A73D17B-81BD-A50C-7102-9742058932F9}"/>
+              </a:ext>
+            </a:extLst>
+          </p:cNvPr>
+          <p:cNvSpPr txBox="1"/>
+          <p:nvPr/>
+        </p:nvSpPr>
+        <p:spPr>
+          <a:xfrm>
+            <a:off x="4382262" y="360455"/>
+            <a:ext cx="6965442" cy="1477328"/>
+          </a:xfrm>
+          <a:prstGeom prst="rect">
+            <a:avLst/>
+          </a:prstGeom>
+          <a:noFill/>
+        </p:spPr>
+        <p:txBody>
+          <a:bodyPr wrap="square">
+            <a:spAutoFit/>
+          </a:bodyPr>
+          <a:lstStyle/>
+          <a:p>
+            <a:r>
+              <a:rPr lang="en-ID" dirty="0" err="1"/>
+              <a:t>Terdapat</a:t>
+            </a:r>
+            <a:r>
+              <a:rPr lang="en-ID" dirty="0"/>
+              <a:t> 3 </a:t>
+            </a:r>
+            <a:r>
+              <a:rPr lang="en-ID" dirty="0" err="1"/>
+              <a:t>buah</a:t>
+            </a:r>
+            <a:r>
+              <a:rPr lang="en-ID" dirty="0"/>
+              <a:t> </a:t>
+            </a:r>
+            <a:r>
+              <a:rPr lang="en-ID" dirty="0" err="1"/>
+              <a:t>kartu</a:t>
+            </a:r>
+            <a:r>
+              <a:rPr lang="en-ID" dirty="0"/>
+              <a:t> yang </a:t>
+            </a:r>
+            <a:r>
+              <a:rPr lang="en-ID" dirty="0" err="1"/>
+              <a:t>bertuliskan</a:t>
+            </a:r>
+            <a:r>
+              <a:rPr lang="en-ID" dirty="0"/>
+              <a:t> </a:t>
+            </a:r>
+            <a:r>
+              <a:rPr lang="en-ID" dirty="0" err="1"/>
+              <a:t>angka</a:t>
+            </a:r>
+            <a:r>
+              <a:rPr lang="en-ID" dirty="0"/>
+              <a:t> 3 digit dan pada 2 </a:t>
+            </a:r>
+            <a:r>
+              <a:rPr lang="en-ID" dirty="0" err="1"/>
+              <a:t>kartu</a:t>
+            </a:r>
+            <a:r>
+              <a:rPr lang="en-ID" dirty="0"/>
+              <a:t> 1 digit </a:t>
+            </a:r>
+            <a:r>
+              <a:rPr lang="en-ID" dirty="0" err="1"/>
+              <a:t>angka</a:t>
+            </a:r>
+            <a:r>
+              <a:rPr lang="en-ID" dirty="0"/>
+              <a:t> </a:t>
+            </a:r>
+            <a:r>
+              <a:rPr lang="en-ID" dirty="0" err="1"/>
+              <a:t>tertutupi</a:t>
+            </a:r>
+            <a:r>
+              <a:rPr lang="en-ID" dirty="0"/>
+              <a:t>. Hasil </a:t>
+            </a:r>
+            <a:r>
+              <a:rPr lang="en-ID" dirty="0" err="1"/>
+              <a:t>penjumlahan</a:t>
+            </a:r>
+            <a:r>
+              <a:rPr lang="en-ID" dirty="0"/>
+              <a:t> Angka Pada Kartu (A) + Angka Pada Kartu (B) + Angka Pada Kartu (C) </a:t>
+            </a:r>
+            <a:r>
+              <a:rPr lang="en-ID" dirty="0" err="1"/>
+              <a:t>adalah</a:t>
+            </a:r>
+            <a:r>
+              <a:rPr lang="en-ID" dirty="0"/>
+              <a:t> 687. Hasil </a:t>
+            </a:r>
+            <a:r>
+              <a:rPr lang="en-ID" dirty="0" err="1"/>
+              <a:t>Penjumlahan</a:t>
+            </a:r>
+            <a:r>
+              <a:rPr lang="en-ID" dirty="0"/>
+              <a:t> </a:t>
+            </a:r>
+            <a:r>
+              <a:rPr lang="en-ID" dirty="0" err="1"/>
+              <a:t>nilai</a:t>
+            </a:r>
+            <a:r>
+              <a:rPr lang="en-ID" dirty="0"/>
+              <a:t> pada </a:t>
+            </a:r>
+            <a:r>
+              <a:rPr lang="en-ID" dirty="0" err="1"/>
+              <a:t>semua</a:t>
+            </a:r>
+            <a:r>
+              <a:rPr lang="en-ID" dirty="0"/>
+              <a:t> </a:t>
+            </a:r>
+            <a:r>
+              <a:rPr lang="en-ID" dirty="0" err="1"/>
+              <a:t>angka</a:t>
+            </a:r>
+            <a:r>
+              <a:rPr lang="en-ID" dirty="0"/>
+              <a:t> yang </a:t>
+            </a:r>
+            <a:r>
+              <a:rPr lang="en-ID" dirty="0" err="1"/>
+              <a:t>ditutupi</a:t>
+            </a:r>
+            <a:r>
+              <a:rPr lang="en-ID" dirty="0"/>
+              <a:t> </a:t>
+            </a:r>
+            <a:r>
+              <a:rPr lang="en-ID" dirty="0" err="1"/>
+              <a:t>adalah</a:t>
+            </a:r>
+            <a:r>
+              <a:rPr lang="en-ID" dirty="0"/>
+              <a:t>... {</a:t>
+            </a:r>
+            <a:r>
+              <a:rPr lang="en-ID" dirty="0" err="1"/>
+              <a:t>jawaban</a:t>
+            </a:r>
+            <a:r>
+              <a:rPr lang="en-ID" dirty="0"/>
+              <a:t> </a:t>
+            </a:r>
+            <a:r>
+              <a:rPr lang="en-ID" dirty="0" err="1"/>
+              <a:t>berupa</a:t>
+            </a:r>
+            <a:r>
+              <a:rPr lang="en-ID" dirty="0"/>
+              <a:t> </a:t>
+            </a:r>
+            <a:r>
+              <a:rPr lang="en-ID" dirty="0" err="1"/>
+              <a:t>angka</a:t>
+            </a:r>
+            <a:r>
+              <a:rPr lang="en-ID" dirty="0"/>
+              <a:t> </a:t>
+            </a:r>
+            <a:r>
+              <a:rPr lang="en-ID" dirty="0" err="1"/>
+              <a:t>bulat</a:t>
+            </a:r>
+            <a:r>
+              <a:rPr lang="en-ID" dirty="0"/>
+              <a:t>} </a:t>
+            </a:r>
+          </a:p>
+        </p:txBody>
+      </p:sp>
+    </p:spTree>
+    <p:extLst>
+      <p:ext uri="{BB962C8B-B14F-4D97-AF65-F5344CB8AC3E}">
+        <p14:creationId xmlns:p14="http://schemas.microsoft.com/office/powerpoint/2010/main" val="1459261139"/>
+      </p:ext>
+    </p:extLst>
+  </p:cSld>
+  <p:clrMapOvr>
+    <a:masterClrMapping/>
+  </p:clrMapOvr>
+</p:sld>
+</file>
+
+<file path=ppt/slides/slide21.xml><?xml version="1.0" encoding="utf-8"?>
+<p:sld xmlns:a="http://schemas.openxmlformats.org/drawingml/2006/main" xmlns:r="http://schemas.openxmlformats.org/officeDocument/2006/relationships" xmlns:p="http://schemas.openxmlformats.org/presentationml/2006/main">
+  <p:cSld>
+    <p:spTree>
+      <p:nvGrpSpPr>
+        <p:cNvPr id="1" name=""/>
+        <p:cNvGrpSpPr/>
+        <p:nvPr/>
+      </p:nvGrpSpPr>
+      <p:grpSpPr>
+        <a:xfrm>
+          <a:off x="0" y="0"/>
+          <a:ext cx="0" cy="0"/>
+          <a:chOff x="0" y="0"/>
+          <a:chExt cx="0" cy="0"/>
+        </a:xfrm>
+      </p:grpSpPr>
+      <p:sp>
+        <p:nvSpPr>
+          <p:cNvPr id="4" name="TextBox 3">
+            <a:extLst>
+              <a:ext uri="{FF2B5EF4-FFF2-40B4-BE49-F238E27FC236}">
+                <a16:creationId xmlns:a16="http://schemas.microsoft.com/office/drawing/2014/main" id="{BA69C6C9-2518-65F2-753E-1F5F261D12BD}"/>
+              </a:ext>
+            </a:extLst>
+          </p:cNvPr>
+          <p:cNvSpPr txBox="1"/>
+          <p:nvPr/>
+        </p:nvSpPr>
+        <p:spPr>
+          <a:xfrm>
+            <a:off x="365760" y="261819"/>
+            <a:ext cx="6492240" cy="2585323"/>
+          </a:xfrm>
+          <a:prstGeom prst="rect">
+            <a:avLst/>
+          </a:prstGeom>
+          <a:noFill/>
+        </p:spPr>
+        <p:txBody>
+          <a:bodyPr wrap="square">
+            <a:spAutoFit/>
+          </a:bodyPr>
+          <a:lstStyle/>
+          <a:p>
+            <a:pPr algn="just"/>
+            <a:r>
+              <a:rPr lang="en-ID" b="1" dirty="0" err="1"/>
+              <a:t>LAMPU</a:t>
+            </a:r>
+            <a:r>
+              <a:rPr lang="en-ID" b="1" dirty="0"/>
+              <a:t> KANTOR [</a:t>
+            </a:r>
+            <a:r>
+              <a:rPr lang="en-ID" b="1" dirty="0" err="1"/>
+              <a:t>Bebras</a:t>
+            </a:r>
+            <a:r>
+              <a:rPr lang="en-ID" b="1" dirty="0"/>
+              <a:t> Indonesia </a:t>
+            </a:r>
+            <a:r>
+              <a:rPr lang="en-ID" b="1" dirty="0" err="1"/>
+              <a:t>SMA</a:t>
+            </a:r>
+            <a:r>
+              <a:rPr lang="en-ID" b="1" dirty="0"/>
+              <a:t> 2017]</a:t>
+            </a:r>
+          </a:p>
+          <a:p>
+            <a:pPr algn="just"/>
+            <a:r>
+              <a:rPr lang="en-ID" dirty="0" err="1"/>
+              <a:t>Delapan</a:t>
+            </a:r>
+            <a:r>
+              <a:rPr lang="en-ID" dirty="0"/>
+              <a:t> </a:t>
+            </a:r>
+            <a:r>
+              <a:rPr lang="en-ID" dirty="0" err="1"/>
+              <a:t>bebras</a:t>
+            </a:r>
+            <a:r>
+              <a:rPr lang="en-ID" dirty="0"/>
+              <a:t> </a:t>
+            </a:r>
+            <a:r>
+              <a:rPr lang="en-ID" dirty="0" err="1"/>
+              <a:t>menempati</a:t>
+            </a:r>
+            <a:r>
+              <a:rPr lang="en-ID" dirty="0"/>
+              <a:t> </a:t>
+            </a:r>
+            <a:r>
+              <a:rPr lang="en-ID" dirty="0" err="1"/>
+              <a:t>ruang</a:t>
+            </a:r>
+            <a:r>
+              <a:rPr lang="en-ID" dirty="0"/>
+              <a:t> masing-masing di </a:t>
+            </a:r>
+            <a:r>
+              <a:rPr lang="en-ID" dirty="0" err="1"/>
+              <a:t>kantor</a:t>
+            </a:r>
+            <a:r>
+              <a:rPr lang="en-ID" dirty="0"/>
+              <a:t>. </a:t>
+            </a:r>
+            <a:r>
+              <a:rPr lang="en-ID" dirty="0" err="1"/>
+              <a:t>Saat</a:t>
+            </a:r>
+            <a:r>
+              <a:rPr lang="en-ID" dirty="0"/>
+              <a:t> di </a:t>
+            </a:r>
+            <a:r>
+              <a:rPr lang="en-ID" dirty="0" err="1"/>
+              <a:t>kantor</a:t>
+            </a:r>
+            <a:r>
+              <a:rPr lang="en-ID" dirty="0"/>
+              <a:t>, para </a:t>
+            </a:r>
+            <a:r>
+              <a:rPr lang="en-ID" dirty="0" err="1"/>
+              <a:t>bebras</a:t>
+            </a:r>
+            <a:r>
+              <a:rPr lang="en-ID" dirty="0"/>
+              <a:t> </a:t>
+            </a:r>
+            <a:r>
+              <a:rPr lang="en-ID" dirty="0" err="1"/>
+              <a:t>menyalakan</a:t>
+            </a:r>
+            <a:r>
+              <a:rPr lang="en-ID" dirty="0"/>
+              <a:t> </a:t>
+            </a:r>
+            <a:r>
+              <a:rPr lang="en-ID" dirty="0" err="1"/>
+              <a:t>lampu</a:t>
+            </a:r>
+            <a:r>
+              <a:rPr lang="en-ID" dirty="0"/>
+              <a:t>, dan </a:t>
+            </a:r>
+            <a:r>
+              <a:rPr lang="en-ID" dirty="0" err="1"/>
+              <a:t>mematikannya</a:t>
+            </a:r>
+            <a:r>
+              <a:rPr lang="en-ID" dirty="0"/>
+              <a:t> </a:t>
+            </a:r>
+            <a:r>
+              <a:rPr lang="en-ID" dirty="0" err="1"/>
+              <a:t>saat</a:t>
+            </a:r>
+            <a:r>
+              <a:rPr lang="en-ID" dirty="0"/>
+              <a:t> </a:t>
+            </a:r>
+            <a:r>
+              <a:rPr lang="en-ID" dirty="0" err="1"/>
+              <a:t>pergi</a:t>
+            </a:r>
+            <a:r>
+              <a:rPr lang="en-ID" dirty="0"/>
+              <a:t>. </a:t>
+            </a:r>
+            <a:r>
+              <a:rPr lang="en-ID" dirty="0" err="1"/>
+              <a:t>Atasan</a:t>
+            </a:r>
+            <a:r>
+              <a:rPr lang="en-ID" dirty="0"/>
+              <a:t> </a:t>
+            </a:r>
+            <a:r>
+              <a:rPr lang="en-ID" dirty="0" err="1"/>
+              <a:t>mereka</a:t>
+            </a:r>
+            <a:r>
+              <a:rPr lang="en-ID" dirty="0"/>
+              <a:t> </a:t>
+            </a:r>
+            <a:r>
+              <a:rPr lang="en-ID" dirty="0" err="1"/>
+              <a:t>memeriksa</a:t>
+            </a:r>
+            <a:r>
+              <a:rPr lang="en-ID" dirty="0"/>
+              <a:t> </a:t>
+            </a:r>
+            <a:r>
+              <a:rPr lang="en-ID" dirty="0" err="1"/>
+              <a:t>bebras</a:t>
+            </a:r>
+            <a:r>
+              <a:rPr lang="en-ID" dirty="0"/>
+              <a:t> yang </a:t>
+            </a:r>
+            <a:r>
+              <a:rPr lang="en-ID" dirty="0" err="1"/>
+              <a:t>hadir</a:t>
+            </a:r>
+            <a:r>
+              <a:rPr lang="en-ID" dirty="0"/>
+              <a:t> </a:t>
+            </a:r>
+            <a:r>
+              <a:rPr lang="en-ID" dirty="0" err="1"/>
+              <a:t>dengan</a:t>
+            </a:r>
+            <a:r>
+              <a:rPr lang="en-ID" dirty="0"/>
+              <a:t> </a:t>
+            </a:r>
+            <a:r>
+              <a:rPr lang="en-ID" dirty="0" err="1"/>
+              <a:t>melihat</a:t>
+            </a:r>
+            <a:r>
+              <a:rPr lang="en-ID" dirty="0"/>
+              <a:t> </a:t>
+            </a:r>
+            <a:r>
+              <a:rPr lang="en-ID" dirty="0" err="1"/>
+              <a:t>lampu</a:t>
+            </a:r>
+            <a:r>
+              <a:rPr lang="en-ID" dirty="0"/>
+              <a:t>. Gambar di </a:t>
+            </a:r>
+            <a:r>
+              <a:rPr lang="en-ID" dirty="0" err="1"/>
+              <a:t>bawah</a:t>
+            </a:r>
+            <a:r>
+              <a:rPr lang="en-ID" dirty="0"/>
+              <a:t> </a:t>
+            </a:r>
+            <a:r>
+              <a:rPr lang="en-ID" dirty="0" err="1"/>
+              <a:t>menunjukkan</a:t>
+            </a:r>
+            <a:r>
+              <a:rPr lang="en-ID" dirty="0"/>
+              <a:t> </a:t>
+            </a:r>
+            <a:r>
+              <a:rPr lang="en-ID" dirty="0" err="1"/>
+              <a:t>bahwa</a:t>
+            </a:r>
+            <a:r>
+              <a:rPr lang="en-ID" dirty="0"/>
+              <a:t> </a:t>
+            </a:r>
+            <a:r>
+              <a:rPr lang="en-ID" dirty="0" err="1"/>
+              <a:t>tidak</a:t>
+            </a:r>
+            <a:r>
+              <a:rPr lang="en-ID" dirty="0"/>
+              <a:t> </a:t>
+            </a:r>
+            <a:r>
+              <a:rPr lang="en-ID" dirty="0" err="1"/>
+              <a:t>semua</a:t>
+            </a:r>
+            <a:r>
+              <a:rPr lang="en-ID" dirty="0"/>
+              <a:t> </a:t>
+            </a:r>
+            <a:r>
+              <a:rPr lang="en-ID" dirty="0" err="1"/>
+              <a:t>bebras</a:t>
+            </a:r>
+            <a:r>
+              <a:rPr lang="en-ID" dirty="0"/>
+              <a:t> </a:t>
+            </a:r>
+            <a:r>
+              <a:rPr lang="en-ID" dirty="0" err="1"/>
+              <a:t>bekerja</a:t>
+            </a:r>
+            <a:r>
+              <a:rPr lang="en-ID" dirty="0"/>
+              <a:t> </a:t>
+            </a:r>
+            <a:r>
+              <a:rPr lang="en-ID" dirty="0" err="1"/>
+              <a:t>hari</a:t>
+            </a:r>
+            <a:r>
+              <a:rPr lang="en-ID" dirty="0"/>
+              <a:t> </a:t>
+            </a:r>
+            <a:r>
+              <a:rPr lang="en-ID" dirty="0" err="1"/>
+              <a:t>ini</a:t>
+            </a:r>
+            <a:r>
+              <a:rPr lang="en-ID" dirty="0"/>
+              <a:t>. Sang </a:t>
+            </a:r>
+            <a:r>
+              <a:rPr lang="en-ID" dirty="0" err="1"/>
+              <a:t>atasan</a:t>
+            </a:r>
+            <a:r>
+              <a:rPr lang="en-ID" dirty="0"/>
+              <a:t> </a:t>
+            </a:r>
+            <a:r>
+              <a:rPr lang="en-ID" dirty="0" err="1"/>
+              <a:t>membuat</a:t>
+            </a:r>
+            <a:r>
+              <a:rPr lang="en-ID" dirty="0"/>
+              <a:t> </a:t>
+            </a:r>
+            <a:r>
+              <a:rPr lang="en-ID" dirty="0" err="1"/>
+              <a:t>catatan</a:t>
+            </a:r>
+            <a:r>
+              <a:rPr lang="en-ID" dirty="0"/>
+              <a:t> </a:t>
+            </a:r>
+            <a:r>
+              <a:rPr lang="en-ID" dirty="0" err="1"/>
+              <a:t>bebras</a:t>
+            </a:r>
+            <a:r>
+              <a:rPr lang="en-ID" dirty="0"/>
+              <a:t> yang </a:t>
+            </a:r>
+            <a:r>
+              <a:rPr lang="en-ID" dirty="0" err="1"/>
+              <a:t>bekerja</a:t>
+            </a:r>
+            <a:r>
+              <a:rPr lang="en-ID" dirty="0"/>
+              <a:t> dan yang </a:t>
+            </a:r>
+            <a:r>
+              <a:rPr lang="en-ID" dirty="0" err="1"/>
+              <a:t>tidak</a:t>
+            </a:r>
+            <a:r>
+              <a:rPr lang="en-ID" dirty="0"/>
+              <a:t> </a:t>
+            </a:r>
+            <a:r>
+              <a:rPr lang="en-ID" dirty="0" err="1"/>
+              <a:t>bekerja</a:t>
+            </a:r>
+            <a:r>
+              <a:rPr lang="en-ID" dirty="0"/>
+              <a:t>, </a:t>
+            </a:r>
+            <a:r>
+              <a:rPr lang="en-ID" dirty="0" err="1"/>
+              <a:t>dengan</a:t>
+            </a:r>
+            <a:r>
+              <a:rPr lang="en-ID" dirty="0"/>
+              <a:t> </a:t>
+            </a:r>
+            <a:r>
+              <a:rPr lang="en-ID" dirty="0" err="1"/>
+              <a:t>menggunakan</a:t>
+            </a:r>
+            <a:r>
+              <a:rPr lang="en-ID" dirty="0"/>
+              <a:t> </a:t>
+            </a:r>
+            <a:r>
+              <a:rPr lang="en-ID" dirty="0" err="1"/>
+              <a:t>simbol-simbol</a:t>
+            </a:r>
+            <a:r>
+              <a:rPr lang="en-ID" dirty="0"/>
+              <a:t> </a:t>
+            </a:r>
+            <a:r>
+              <a:rPr lang="en-ID" dirty="0" err="1"/>
+              <a:t>untuk</a:t>
+            </a:r>
+            <a:r>
+              <a:rPr lang="en-ID" dirty="0"/>
+              <a:t> </a:t>
+            </a:r>
+            <a:r>
+              <a:rPr lang="en-ID" dirty="0" err="1"/>
+              <a:t>lampu</a:t>
+            </a:r>
+            <a:r>
+              <a:rPr lang="en-ID" dirty="0"/>
+              <a:t> </a:t>
+            </a:r>
+            <a:r>
+              <a:rPr lang="en-ID" dirty="0" err="1"/>
+              <a:t>menyala</a:t>
+            </a:r>
+            <a:r>
+              <a:rPr lang="en-ID" dirty="0"/>
+              <a:t> dan </a:t>
+            </a:r>
+            <a:r>
+              <a:rPr lang="en-ID" dirty="0" err="1"/>
+              <a:t>lampu</a:t>
+            </a:r>
+            <a:r>
+              <a:rPr lang="en-ID" dirty="0"/>
+              <a:t> </a:t>
+            </a:r>
+            <a:r>
+              <a:rPr lang="en-ID" dirty="0" err="1"/>
+              <a:t>mati</a:t>
+            </a:r>
+            <a:r>
+              <a:rPr lang="en-ID" dirty="0"/>
+              <a:t> yang </a:t>
+            </a:r>
+            <a:r>
+              <a:rPr lang="en-ID" dirty="0" err="1"/>
+              <a:t>berbeda</a:t>
+            </a:r>
+            <a:r>
+              <a:rPr lang="en-ID" dirty="0"/>
+              <a:t>, </a:t>
+            </a:r>
+            <a:r>
+              <a:rPr lang="en-ID" dirty="0" err="1"/>
+              <a:t>tanpa</a:t>
+            </a:r>
+            <a:r>
+              <a:rPr lang="en-ID" dirty="0"/>
+              <a:t> </a:t>
+            </a:r>
+            <a:r>
+              <a:rPr lang="en-ID" dirty="0" err="1"/>
+              <a:t>perlu</a:t>
+            </a:r>
+            <a:r>
+              <a:rPr lang="en-ID" dirty="0"/>
+              <a:t> </a:t>
+            </a:r>
+            <a:r>
+              <a:rPr lang="en-ID" dirty="0" err="1"/>
+              <a:t>tahu</a:t>
+            </a:r>
+            <a:r>
+              <a:rPr lang="en-ID" dirty="0"/>
+              <a:t> mana </a:t>
+            </a:r>
+            <a:r>
+              <a:rPr lang="en-ID" dirty="0" err="1"/>
+              <a:t>awal</a:t>
+            </a:r>
+            <a:r>
+              <a:rPr lang="en-ID" dirty="0"/>
+              <a:t> dan mana yang </a:t>
+            </a:r>
+            <a:r>
+              <a:rPr lang="en-ID" dirty="0" err="1"/>
+              <a:t>terakhir</a:t>
+            </a:r>
+            <a:r>
+              <a:rPr lang="en-ID" dirty="0"/>
+              <a:t>. </a:t>
+            </a:r>
+          </a:p>
+        </p:txBody>
+      </p:sp>
+      <p:pic>
+        <p:nvPicPr>
+          <p:cNvPr id="9" name="Picture 8">
+            <a:extLst>
+              <a:ext uri="{FF2B5EF4-FFF2-40B4-BE49-F238E27FC236}">
+                <a16:creationId xmlns:a16="http://schemas.microsoft.com/office/drawing/2014/main" id="{CE5AD2EB-F66A-C6BC-4B19-418928859E18}"/>
+              </a:ext>
+            </a:extLst>
+          </p:cNvPr>
+          <p:cNvPicPr>
+            <a:picLocks noChangeAspect="1"/>
+          </p:cNvPicPr>
+          <p:nvPr/>
+        </p:nvPicPr>
+        <p:blipFill>
+          <a:blip r:embed="rId2"/>
+          <a:stretch>
+            <a:fillRect/>
+          </a:stretch>
+        </p:blipFill>
+        <p:spPr>
+          <a:xfrm>
+            <a:off x="460141" y="2947888"/>
+            <a:ext cx="1524213" cy="1419423"/>
+          </a:xfrm>
+          <a:prstGeom prst="rect">
+            <a:avLst/>
+          </a:prstGeom>
+        </p:spPr>
+      </p:pic>
+      <p:sp>
+        <p:nvSpPr>
+          <p:cNvPr id="11" name="TextBox 10">
+            <a:extLst>
+              <a:ext uri="{FF2B5EF4-FFF2-40B4-BE49-F238E27FC236}">
+                <a16:creationId xmlns:a16="http://schemas.microsoft.com/office/drawing/2014/main" id="{51F3967C-F4CC-8886-0F7D-07F0C017E62B}"/>
+              </a:ext>
+            </a:extLst>
+          </p:cNvPr>
+          <p:cNvSpPr txBox="1"/>
+          <p:nvPr/>
+        </p:nvSpPr>
+        <p:spPr>
+          <a:xfrm>
+            <a:off x="365760" y="4614595"/>
+            <a:ext cx="6094476" cy="1477328"/>
+          </a:xfrm>
+          <a:prstGeom prst="rect">
+            <a:avLst/>
+          </a:prstGeom>
+          <a:noFill/>
+        </p:spPr>
+        <p:txBody>
+          <a:bodyPr wrap="square">
+            <a:spAutoFit/>
+          </a:bodyPr>
+          <a:lstStyle/>
+          <a:p>
+            <a:r>
+              <a:rPr lang="en-ID" dirty="0" err="1"/>
+              <a:t>Catatan</a:t>
+            </a:r>
+            <a:r>
+              <a:rPr lang="en-ID" dirty="0"/>
+              <a:t> mana yang </a:t>
+            </a:r>
+            <a:r>
+              <a:rPr lang="en-ID" dirty="0" err="1"/>
+              <a:t>sesuai</a:t>
+            </a:r>
+            <a:r>
+              <a:rPr lang="en-ID" dirty="0"/>
+              <a:t> </a:t>
+            </a:r>
+            <a:r>
+              <a:rPr lang="en-ID" dirty="0" err="1"/>
+              <a:t>dengan</a:t>
+            </a:r>
+            <a:r>
+              <a:rPr lang="en-ID" dirty="0"/>
+              <a:t> </a:t>
+            </a:r>
+            <a:r>
+              <a:rPr lang="en-ID" dirty="0" err="1"/>
+              <a:t>gambar</a:t>
+            </a:r>
+            <a:r>
+              <a:rPr lang="en-ID" dirty="0"/>
+              <a:t> di </a:t>
+            </a:r>
+            <a:r>
+              <a:rPr lang="en-ID" dirty="0" err="1"/>
+              <a:t>atas</a:t>
+            </a:r>
+            <a:r>
+              <a:rPr lang="en-ID" dirty="0"/>
+              <a:t>? </a:t>
+            </a:r>
+          </a:p>
+          <a:p>
+            <a:pPr marL="342900" indent="-342900">
+              <a:buAutoNum type="alphaLcPeriod"/>
+            </a:pPr>
+            <a:r>
+              <a:rPr lang="en-ID" dirty="0"/>
+              <a:t># &amp; &amp; &amp; # # &amp; # </a:t>
+            </a:r>
+          </a:p>
+          <a:p>
+            <a:pPr marL="342900" indent="-342900">
+              <a:buAutoNum type="alphaLcPeriod"/>
+            </a:pPr>
+            <a:r>
+              <a:rPr lang="en-ID" dirty="0"/>
+              <a:t>&amp; # &amp; &amp; &amp; # &amp; # </a:t>
+            </a:r>
+          </a:p>
+          <a:p>
+            <a:pPr marL="342900" indent="-342900">
+              <a:buAutoNum type="alphaLcPeriod"/>
+            </a:pPr>
+            <a:r>
+              <a:rPr lang="en-ID" dirty="0"/>
+              <a:t># &amp; # # &amp; &amp; &amp; &amp; </a:t>
+            </a:r>
+          </a:p>
+          <a:p>
+            <a:pPr marL="342900" indent="-342900">
+              <a:buAutoNum type="alphaLcPeriod"/>
+            </a:pPr>
+            <a:r>
+              <a:rPr lang="en-ID" dirty="0"/>
+              <a:t>&amp; &amp; # &amp; &amp; # # &amp;</a:t>
+            </a:r>
+          </a:p>
+        </p:txBody>
+      </p:sp>
+    </p:spTree>
+    <p:extLst>
+      <p:ext uri="{BB962C8B-B14F-4D97-AF65-F5344CB8AC3E}">
+        <p14:creationId xmlns:p14="http://schemas.microsoft.com/office/powerpoint/2010/main" val="991954974"/>
+      </p:ext>
+    </p:extLst>
+  </p:cSld>
+  <p:clrMapOvr>
+    <a:masterClrMapping/>
+  </p:clrMapOvr>
+</p:sld>
+</file>
+
+<file path=ppt/slides/slide22.xml><?xml version="1.0" encoding="utf-8"?>
+<p:sld xmlns:a="http://schemas.openxmlformats.org/drawingml/2006/main" xmlns:r="http://schemas.openxmlformats.org/officeDocument/2006/relationships" xmlns:p="http://schemas.openxmlformats.org/presentationml/2006/main">
+  <p:cSld>
+    <p:spTree>
+      <p:nvGrpSpPr>
+        <p:cNvPr id="1" name=""/>
+        <p:cNvGrpSpPr/>
+        <p:nvPr/>
+      </p:nvGrpSpPr>
+      <p:grpSpPr>
+        <a:xfrm>
+          <a:off x="0" y="0"/>
+          <a:ext cx="0" cy="0"/>
+          <a:chOff x="0" y="0"/>
+          <a:chExt cx="0" cy="0"/>
+        </a:xfrm>
+      </p:grpSpPr>
+      <p:sp>
+        <p:nvSpPr>
+          <p:cNvPr id="6" name="TextBox 5">
+            <a:extLst>
+              <a:ext uri="{FF2B5EF4-FFF2-40B4-BE49-F238E27FC236}">
+                <a16:creationId xmlns:a16="http://schemas.microsoft.com/office/drawing/2014/main" id="{9E19C704-BB2A-3CFD-3A4A-02453FC19AC3}"/>
+              </a:ext>
+            </a:extLst>
+          </p:cNvPr>
+          <p:cNvSpPr txBox="1"/>
+          <p:nvPr/>
+        </p:nvSpPr>
+        <p:spPr>
+          <a:xfrm>
+            <a:off x="569214" y="306431"/>
+            <a:ext cx="6094476" cy="1200329"/>
+          </a:xfrm>
+          <a:prstGeom prst="rect">
+            <a:avLst/>
+          </a:prstGeom>
+          <a:noFill/>
+        </p:spPr>
+        <p:txBody>
+          <a:bodyPr wrap="square">
+            <a:spAutoFit/>
+          </a:bodyPr>
+          <a:lstStyle/>
+          <a:p>
+            <a:r>
+              <a:rPr lang="en-ID" b="1" dirty="0"/>
+              <a:t>BAHASA </a:t>
+            </a:r>
+            <a:r>
+              <a:rPr lang="en-ID" b="1" dirty="0" err="1"/>
+              <a:t>BEBEK</a:t>
+            </a:r>
+            <a:endParaRPr lang="en-ID" b="1" dirty="0"/>
+          </a:p>
+          <a:p>
+            <a:r>
+              <a:rPr lang="en-ID" dirty="0"/>
+              <a:t>Di negeri </a:t>
+            </a:r>
+            <a:r>
+              <a:rPr lang="en-ID" dirty="0" err="1"/>
+              <a:t>Feez</a:t>
+            </a:r>
+            <a:r>
+              <a:rPr lang="en-ID" dirty="0"/>
+              <a:t> nan </a:t>
+            </a:r>
+            <a:r>
+              <a:rPr lang="en-ID" dirty="0" err="1"/>
+              <a:t>indah</a:t>
+            </a:r>
+            <a:r>
+              <a:rPr lang="en-ID" dirty="0"/>
+              <a:t> </a:t>
+            </a:r>
+            <a:r>
+              <a:rPr lang="en-ID" dirty="0" err="1"/>
+              <a:t>berlakulah</a:t>
+            </a:r>
+            <a:r>
+              <a:rPr lang="en-ID" dirty="0"/>
+              <a:t> </a:t>
+            </a:r>
+            <a:r>
+              <a:rPr lang="en-ID" dirty="0" err="1"/>
+              <a:t>bahasa</a:t>
+            </a:r>
+            <a:r>
+              <a:rPr lang="en-ID" dirty="0"/>
+              <a:t> </a:t>
+            </a:r>
+            <a:r>
+              <a:rPr lang="en-ID" dirty="0" err="1"/>
+              <a:t>Feez</a:t>
+            </a:r>
+            <a:r>
+              <a:rPr lang="en-ID" dirty="0"/>
+              <a:t> yang </a:t>
+            </a:r>
+            <a:r>
+              <a:rPr lang="en-ID" dirty="0" err="1"/>
+              <a:t>digunakan</a:t>
+            </a:r>
+            <a:r>
+              <a:rPr lang="en-ID" dirty="0"/>
+              <a:t> </a:t>
+            </a:r>
+            <a:r>
+              <a:rPr lang="en-ID" dirty="0" err="1"/>
+              <a:t>rakyatnya</a:t>
+            </a:r>
+            <a:r>
+              <a:rPr lang="en-ID" dirty="0"/>
+              <a:t> </a:t>
+            </a:r>
+            <a:r>
+              <a:rPr lang="en-ID" dirty="0" err="1"/>
+              <a:t>untuk</a:t>
+            </a:r>
+            <a:r>
+              <a:rPr lang="en-ID" dirty="0"/>
+              <a:t> </a:t>
+            </a:r>
+            <a:r>
+              <a:rPr lang="en-ID" dirty="0" err="1"/>
+              <a:t>berkomunikasi</a:t>
+            </a:r>
+            <a:r>
+              <a:rPr lang="en-ID" dirty="0"/>
+              <a:t>. </a:t>
+            </a:r>
+            <a:r>
+              <a:rPr lang="en-ID" dirty="0" err="1"/>
+              <a:t>Contohnya</a:t>
+            </a:r>
+            <a:r>
+              <a:rPr lang="en-ID" dirty="0"/>
+              <a:t> </a:t>
+            </a:r>
+            <a:r>
+              <a:rPr lang="en-ID" dirty="0" err="1"/>
+              <a:t>diberikan</a:t>
+            </a:r>
+            <a:r>
+              <a:rPr lang="en-ID" dirty="0"/>
+              <a:t> </a:t>
+            </a:r>
+            <a:r>
+              <a:rPr lang="en-ID" dirty="0" err="1"/>
+              <a:t>suatu</a:t>
+            </a:r>
+            <a:r>
+              <a:rPr lang="en-ID" dirty="0"/>
+              <a:t> </a:t>
+            </a:r>
+            <a:r>
+              <a:rPr lang="en-ID" dirty="0" err="1"/>
+              <a:t>kalimat</a:t>
+            </a:r>
+            <a:r>
+              <a:rPr lang="en-ID" dirty="0"/>
+              <a:t> :</a:t>
+            </a:r>
+          </a:p>
+        </p:txBody>
+      </p:sp>
+      <p:sp>
+        <p:nvSpPr>
+          <p:cNvPr id="12" name="TextBox 11">
+            <a:extLst>
+              <a:ext uri="{FF2B5EF4-FFF2-40B4-BE49-F238E27FC236}">
+                <a16:creationId xmlns:a16="http://schemas.microsoft.com/office/drawing/2014/main" id="{764B1EF3-6520-49AE-84C3-5280D9C16ACB}"/>
+              </a:ext>
+            </a:extLst>
+          </p:cNvPr>
+          <p:cNvSpPr txBox="1"/>
+          <p:nvPr/>
+        </p:nvSpPr>
+        <p:spPr>
+          <a:xfrm>
+            <a:off x="569214" y="1506760"/>
+            <a:ext cx="6094476" cy="2585323"/>
+          </a:xfrm>
+          <a:prstGeom prst="rect">
+            <a:avLst/>
+          </a:prstGeom>
+          <a:noFill/>
+        </p:spPr>
+        <p:txBody>
+          <a:bodyPr wrap="square">
+            <a:spAutoFit/>
+          </a:bodyPr>
+          <a:lstStyle/>
+          <a:p>
+            <a:endParaRPr lang="en-ID" b="1" dirty="0"/>
+          </a:p>
+          <a:p>
+            <a:r>
+              <a:rPr lang="en-ID" b="1" dirty="0" err="1"/>
+              <a:t>FAJEENIKETWAZAALMPSI</a:t>
+            </a:r>
+            <a:r>
+              <a:rPr lang="en-ID" b="1" dirty="0"/>
+              <a:t> , </a:t>
+            </a:r>
+            <a:r>
+              <a:rPr lang="en-ID" b="1" dirty="0" err="1"/>
+              <a:t>m</a:t>
+            </a:r>
+            <a:r>
+              <a:rPr lang="en-ID" dirty="0" err="1"/>
+              <a:t>emiliki</a:t>
+            </a:r>
+            <a:r>
+              <a:rPr lang="en-ID" dirty="0"/>
+              <a:t> arti </a:t>
+            </a:r>
+            <a:r>
+              <a:rPr lang="en-ID" dirty="0" err="1"/>
+              <a:t>dalam</a:t>
+            </a:r>
+            <a:r>
+              <a:rPr lang="en-ID" dirty="0"/>
+              <a:t> </a:t>
+            </a:r>
+            <a:r>
+              <a:rPr lang="en-ID" dirty="0" err="1"/>
+              <a:t>bahasa</a:t>
+            </a:r>
+            <a:r>
+              <a:rPr lang="en-ID" dirty="0"/>
+              <a:t> Indonesia </a:t>
+            </a:r>
+            <a:r>
+              <a:rPr lang="en-ID" dirty="0" err="1"/>
+              <a:t>yaitu</a:t>
+            </a:r>
+            <a:r>
+              <a:rPr lang="en-ID" dirty="0"/>
+              <a:t> : </a:t>
+            </a:r>
+            <a:r>
+              <a:rPr lang="en-ID" b="1" dirty="0" err="1"/>
+              <a:t>FEEZMANTAPJIWASEKALI</a:t>
+            </a:r>
+            <a:r>
+              <a:rPr lang="en-ID" dirty="0"/>
+              <a:t> </a:t>
+            </a:r>
+          </a:p>
+          <a:p>
+            <a:endParaRPr lang="en-ID" dirty="0"/>
+          </a:p>
+          <a:p>
+            <a:r>
+              <a:rPr lang="en-ID" dirty="0" err="1"/>
+              <a:t>Sekarang</a:t>
+            </a:r>
+            <a:r>
+              <a:rPr lang="en-ID" dirty="0"/>
+              <a:t> Arya </a:t>
+            </a:r>
+            <a:r>
+              <a:rPr lang="en-ID" dirty="0" err="1"/>
+              <a:t>ingin</a:t>
+            </a:r>
+            <a:r>
+              <a:rPr lang="en-ID" dirty="0"/>
+              <a:t> </a:t>
+            </a:r>
+            <a:r>
+              <a:rPr lang="en-ID" dirty="0" err="1"/>
+              <a:t>mencari</a:t>
+            </a:r>
+            <a:r>
+              <a:rPr lang="en-ID" dirty="0"/>
+              <a:t> arti </a:t>
+            </a:r>
+            <a:r>
+              <a:rPr lang="en-ID" dirty="0" err="1"/>
+              <a:t>dari</a:t>
+            </a:r>
+            <a:r>
+              <a:rPr lang="en-ID" dirty="0"/>
+              <a:t> </a:t>
+            </a:r>
+            <a:r>
+              <a:rPr lang="en-ID" dirty="0" err="1"/>
+              <a:t>kehidupan</a:t>
+            </a:r>
+            <a:r>
+              <a:rPr lang="en-ID" dirty="0"/>
+              <a:t> </a:t>
+            </a:r>
+            <a:r>
+              <a:rPr lang="en-ID" dirty="0" err="1"/>
+              <a:t>ini</a:t>
+            </a:r>
+            <a:r>
+              <a:rPr lang="en-ID" dirty="0"/>
+              <a:t> dan arti </a:t>
+            </a:r>
+            <a:r>
+              <a:rPr lang="en-ID" dirty="0" err="1"/>
+              <a:t>dari</a:t>
+            </a:r>
+            <a:r>
+              <a:rPr lang="en-ID" dirty="0"/>
+              <a:t> </a:t>
+            </a:r>
+            <a:r>
+              <a:rPr lang="en-ID" dirty="0" err="1"/>
+              <a:t>bahasa</a:t>
+            </a:r>
+            <a:r>
+              <a:rPr lang="en-ID" dirty="0"/>
+              <a:t> </a:t>
+            </a:r>
+            <a:r>
+              <a:rPr lang="en-ID" dirty="0" err="1"/>
+              <a:t>Feez</a:t>
+            </a:r>
+            <a:r>
+              <a:rPr lang="en-ID" dirty="0"/>
+              <a:t> yang </a:t>
+            </a:r>
+            <a:r>
+              <a:rPr lang="en-ID" dirty="0" err="1"/>
+              <a:t>kalimatnya</a:t>
+            </a:r>
+            <a:r>
+              <a:rPr lang="en-ID" dirty="0"/>
+              <a:t> : </a:t>
+            </a:r>
+            <a:r>
+              <a:rPr lang="en-ID" b="1" dirty="0" err="1"/>
+              <a:t>ANIMKTMAUAENCARCINOE</a:t>
+            </a:r>
+            <a:r>
+              <a:rPr lang="en-ID" b="1" dirty="0"/>
+              <a:t> </a:t>
+            </a:r>
+          </a:p>
+          <a:p>
+            <a:endParaRPr lang="en-ID" b="1" dirty="0"/>
+          </a:p>
+          <a:p>
+            <a:r>
+              <a:rPr lang="en-ID" dirty="0" err="1"/>
+              <a:t>Tuliskan</a:t>
+            </a:r>
+            <a:r>
+              <a:rPr lang="en-ID" dirty="0"/>
+              <a:t> arti </a:t>
+            </a:r>
+            <a:r>
+              <a:rPr lang="en-ID" dirty="0" err="1"/>
+              <a:t>kalimat</a:t>
+            </a:r>
+            <a:r>
+              <a:rPr lang="en-ID" dirty="0"/>
+              <a:t> </a:t>
+            </a:r>
+            <a:r>
+              <a:rPr lang="en-ID" dirty="0" err="1"/>
+              <a:t>dalam</a:t>
+            </a:r>
+            <a:r>
+              <a:rPr lang="en-ID" dirty="0"/>
+              <a:t> </a:t>
+            </a:r>
+            <a:r>
+              <a:rPr lang="en-ID" dirty="0" err="1"/>
+              <a:t>bahasa</a:t>
+            </a:r>
+            <a:r>
+              <a:rPr lang="en-ID" dirty="0"/>
+              <a:t> </a:t>
+            </a:r>
+            <a:r>
+              <a:rPr lang="en-ID" dirty="0" err="1"/>
+              <a:t>Feez</a:t>
+            </a:r>
+            <a:r>
+              <a:rPr lang="en-ID" dirty="0"/>
+              <a:t> di </a:t>
+            </a:r>
+            <a:r>
+              <a:rPr lang="en-ID" dirty="0" err="1"/>
+              <a:t>atas</a:t>
+            </a:r>
+            <a:r>
+              <a:rPr lang="en-ID" dirty="0"/>
+              <a:t>!{</a:t>
+            </a:r>
+            <a:r>
+              <a:rPr lang="en-ID" dirty="0" err="1"/>
+              <a:t>tuliskan</a:t>
+            </a:r>
+            <a:r>
+              <a:rPr lang="en-ID" dirty="0"/>
+              <a:t> </a:t>
+            </a:r>
+            <a:r>
+              <a:rPr lang="en-ID" dirty="0" err="1"/>
+              <a:t>kalimat</a:t>
+            </a:r>
+            <a:r>
+              <a:rPr lang="en-ID" dirty="0"/>
+              <a:t> </a:t>
+            </a:r>
+            <a:r>
+              <a:rPr lang="en-ID" dirty="0" err="1"/>
+              <a:t>dalam</a:t>
+            </a:r>
+            <a:r>
+              <a:rPr lang="en-ID" dirty="0"/>
+              <a:t> </a:t>
+            </a:r>
+            <a:r>
+              <a:rPr lang="en-ID" dirty="0" err="1"/>
+              <a:t>huruf</a:t>
+            </a:r>
+            <a:r>
+              <a:rPr lang="en-ID" dirty="0"/>
+              <a:t> </a:t>
+            </a:r>
+            <a:r>
+              <a:rPr lang="en-ID" dirty="0" err="1"/>
+              <a:t>kapital</a:t>
+            </a:r>
+            <a:r>
+              <a:rPr lang="en-ID" dirty="0"/>
+              <a:t> </a:t>
+            </a:r>
+            <a:r>
+              <a:rPr lang="en-ID" dirty="0" err="1"/>
+              <a:t>tanpa</a:t>
+            </a:r>
+            <a:r>
+              <a:rPr lang="en-ID" dirty="0"/>
+              <a:t> </a:t>
+            </a:r>
+            <a:r>
+              <a:rPr lang="en-ID" dirty="0" err="1"/>
+              <a:t>spasi</a:t>
+            </a:r>
+            <a:r>
+              <a:rPr lang="en-ID" dirty="0"/>
+              <a:t>!}</a:t>
+            </a:r>
+          </a:p>
+        </p:txBody>
+      </p:sp>
+    </p:spTree>
+    <p:extLst>
+      <p:ext uri="{BB962C8B-B14F-4D97-AF65-F5344CB8AC3E}">
+        <p14:creationId xmlns:p14="http://schemas.microsoft.com/office/powerpoint/2010/main" val="141832677"/>
+      </p:ext>
+    </p:extLst>
+  </p:cSld>
+  <p:clrMapOvr>
+    <a:masterClrMapping/>
+  </p:clrMapOvr>
+</p:sld>
+</file>
+
+<file path=ppt/slides/slide23.xml><?xml version="1.0" encoding="utf-8"?>
+<p:sld xmlns:a="http://schemas.openxmlformats.org/drawingml/2006/main" xmlns:r="http://schemas.openxmlformats.org/officeDocument/2006/relationships" xmlns:p="http://schemas.openxmlformats.org/presentationml/2006/main">
+  <p:cSld>
+    <p:spTree>
+      <p:nvGrpSpPr>
+        <p:cNvPr id="1" name=""/>
+        <p:cNvGrpSpPr/>
+        <p:nvPr/>
+      </p:nvGrpSpPr>
+      <p:grpSpPr>
+        <a:xfrm>
+          <a:off x="0" y="0"/>
+          <a:ext cx="0" cy="0"/>
+          <a:chOff x="0" y="0"/>
+          <a:chExt cx="0" cy="0"/>
+        </a:xfrm>
+      </p:grpSpPr>
+      <p:pic>
+        <p:nvPicPr>
           <p:cNvPr id="5" name="Picture 4">
             <a:extLst>
               <a:ext uri="{FF2B5EF4-FFF2-40B4-BE49-F238E27FC236}">
@@ -6280,67 +5962,7 @@
 </p:sld>
 </file>
 
-<file path=ppt/slides/slide21.xml><?xml version="1.0" encoding="utf-8"?>
-<p:sld xmlns:a="http://schemas.openxmlformats.org/drawingml/2006/main" xmlns:r="http://schemas.openxmlformats.org/officeDocument/2006/relationships" xmlns:p="http://schemas.openxmlformats.org/presentationml/2006/main">
-  <p:cSld>
-    <p:spTree>
-      <p:nvGrpSpPr>
-        <p:cNvPr id="1" name=""/>
-        <p:cNvGrpSpPr/>
-        <p:nvPr/>
-      </p:nvGrpSpPr>
-      <p:grpSpPr>
-        <a:xfrm>
-          <a:off x="0" y="0"/>
-          <a:ext cx="0" cy="0"/>
-          <a:chOff x="0" y="0"/>
-          <a:chExt cx="0" cy="0"/>
-        </a:xfrm>
-      </p:grpSpPr>
-      <p:pic>
-        <p:nvPicPr>
-          <p:cNvPr id="3" name="Picture 2">
-            <a:extLst>
-              <a:ext uri="{FF2B5EF4-FFF2-40B4-BE49-F238E27FC236}">
-                <a16:creationId xmlns:a16="http://schemas.microsoft.com/office/drawing/2014/main" id="{9B588632-23B8-7B9D-064F-AAF8C68C3C87}"/>
-              </a:ext>
-            </a:extLst>
-          </p:cNvPr>
-          <p:cNvPicPr>
-            <a:picLocks noChangeAspect="1"/>
-          </p:cNvPicPr>
-          <p:nvPr/>
-        </p:nvPicPr>
-        <p:blipFill>
-          <a:blip r:embed="rId2"/>
-          <a:stretch>
-            <a:fillRect/>
-          </a:stretch>
-        </p:blipFill>
-        <p:spPr>
-          <a:xfrm>
-            <a:off x="316513" y="224744"/>
-            <a:ext cx="6858957" cy="6115904"/>
-          </a:xfrm>
-          <a:prstGeom prst="rect">
-            <a:avLst/>
-          </a:prstGeom>
-        </p:spPr>
-      </p:pic>
-    </p:spTree>
-    <p:extLst>
-      <p:ext uri="{BB962C8B-B14F-4D97-AF65-F5344CB8AC3E}">
-        <p14:creationId xmlns:p14="http://schemas.microsoft.com/office/powerpoint/2010/main" val="2081875960"/>
-      </p:ext>
-    </p:extLst>
-  </p:cSld>
-  <p:clrMapOvr>
-    <a:masterClrMapping/>
-  </p:clrMapOvr>
-</p:sld>
-</file>
-
-<file path=ppt/slides/slide22.xml><?xml version="1.0" encoding="utf-8"?>
+<file path=ppt/slides/slide24.xml><?xml version="1.0" encoding="utf-8"?>
 <p:sld xmlns:a="http://schemas.openxmlformats.org/drawingml/2006/main" xmlns:r="http://schemas.openxmlformats.org/officeDocument/2006/relationships" xmlns:p="http://schemas.openxmlformats.org/presentationml/2006/main">
   <p:cSld>
     <p:spTree>
@@ -7078,7 +6700,7 @@
 </p:sld>
 </file>
 
-<file path=ppt/slides/slide23.xml><?xml version="1.0" encoding="utf-8"?>
+<file path=ppt/slides/slide25.xml><?xml version="1.0" encoding="utf-8"?>
 <p:sld xmlns:a="http://schemas.openxmlformats.org/drawingml/2006/main" xmlns:r="http://schemas.openxmlformats.org/officeDocument/2006/relationships" xmlns:p="http://schemas.openxmlformats.org/presentationml/2006/main">
   <p:cSld>
     <p:spTree>
@@ -7144,7 +6766,73 @@
 </p:sld>
 </file>
 
-<file path=ppt/slides/slide24.xml><?xml version="1.0" encoding="utf-8"?>
+<file path=ppt/slides/slide26.xml><?xml version="1.0" encoding="utf-8"?>
+<p:sld xmlns:a="http://schemas.openxmlformats.org/drawingml/2006/main" xmlns:r="http://schemas.openxmlformats.org/officeDocument/2006/relationships" xmlns:p="http://schemas.openxmlformats.org/presentationml/2006/main">
+  <p:cSld>
+    <p:spTree>
+      <p:nvGrpSpPr>
+        <p:cNvPr id="1" name="">
+          <a:extLst>
+            <a:ext uri="{FF2B5EF4-FFF2-40B4-BE49-F238E27FC236}">
+              <a16:creationId xmlns:a16="http://schemas.microsoft.com/office/drawing/2014/main" id="{87A030BC-3C5F-3B94-755F-61057295F578}"/>
+            </a:ext>
+          </a:extLst>
+        </p:cNvPr>
+        <p:cNvGrpSpPr/>
+        <p:nvPr/>
+      </p:nvGrpSpPr>
+      <p:grpSpPr>
+        <a:xfrm>
+          <a:off x="0" y="0"/>
+          <a:ext cx="0" cy="0"/>
+          <a:chOff x="0" y="0"/>
+          <a:chExt cx="0" cy="0"/>
+        </a:xfrm>
+      </p:grpSpPr>
+      <p:pic>
+        <p:nvPicPr>
+          <p:cNvPr id="3" name="Picture 2">
+            <a:extLst>
+              <a:ext uri="{FF2B5EF4-FFF2-40B4-BE49-F238E27FC236}">
+                <a16:creationId xmlns:a16="http://schemas.microsoft.com/office/drawing/2014/main" id="{CDF8AD69-2989-05E6-FAFD-1EDCDB26170B}"/>
+              </a:ext>
+            </a:extLst>
+          </p:cNvPr>
+          <p:cNvPicPr>
+            <a:picLocks noChangeAspect="1"/>
+          </p:cNvPicPr>
+          <p:nvPr/>
+        </p:nvPicPr>
+        <p:blipFill>
+          <a:blip r:embed="rId2"/>
+          <a:stretch>
+            <a:fillRect/>
+          </a:stretch>
+        </p:blipFill>
+        <p:spPr>
+          <a:xfrm>
+            <a:off x="233432" y="206012"/>
+            <a:ext cx="7144747" cy="2486372"/>
+          </a:xfrm>
+          <a:prstGeom prst="rect">
+            <a:avLst/>
+          </a:prstGeom>
+        </p:spPr>
+      </p:pic>
+    </p:spTree>
+    <p:extLst>
+      <p:ext uri="{BB962C8B-B14F-4D97-AF65-F5344CB8AC3E}">
+        <p14:creationId xmlns:p14="http://schemas.microsoft.com/office/powerpoint/2010/main" val="3469742941"/>
+      </p:ext>
+    </p:extLst>
+  </p:cSld>
+  <p:clrMapOvr>
+    <a:masterClrMapping/>
+  </p:clrMapOvr>
+</p:sld>
+</file>
+
+<file path=ppt/slides/slide27.xml><?xml version="1.0" encoding="utf-8"?>
 <p:sld xmlns:a="http://schemas.openxmlformats.org/drawingml/2006/main" xmlns:r="http://schemas.openxmlformats.org/officeDocument/2006/relationships" xmlns:p="http://schemas.openxmlformats.org/presentationml/2006/main">
   <p:cSld>
     <p:spTree>
@@ -7180,72 +6868,6 @@
 </p:sld>
 </file>
 
-<file path=ppt/slides/slide25.xml><?xml version="1.0" encoding="utf-8"?>
-<p:sld xmlns:a="http://schemas.openxmlformats.org/drawingml/2006/main" xmlns:r="http://schemas.openxmlformats.org/officeDocument/2006/relationships" xmlns:p="http://schemas.openxmlformats.org/presentationml/2006/main">
-  <p:cSld>
-    <p:spTree>
-      <p:nvGrpSpPr>
-        <p:cNvPr id="1" name="">
-          <a:extLst>
-            <a:ext uri="{FF2B5EF4-FFF2-40B4-BE49-F238E27FC236}">
-              <a16:creationId xmlns:a16="http://schemas.microsoft.com/office/drawing/2014/main" id="{87A030BC-3C5F-3B94-755F-61057295F578}"/>
-            </a:ext>
-          </a:extLst>
-        </p:cNvPr>
-        <p:cNvGrpSpPr/>
-        <p:nvPr/>
-      </p:nvGrpSpPr>
-      <p:grpSpPr>
-        <a:xfrm>
-          <a:off x="0" y="0"/>
-          <a:ext cx="0" cy="0"/>
-          <a:chOff x="0" y="0"/>
-          <a:chExt cx="0" cy="0"/>
-        </a:xfrm>
-      </p:grpSpPr>
-      <p:pic>
-        <p:nvPicPr>
-          <p:cNvPr id="3" name="Picture 2">
-            <a:extLst>
-              <a:ext uri="{FF2B5EF4-FFF2-40B4-BE49-F238E27FC236}">
-                <a16:creationId xmlns:a16="http://schemas.microsoft.com/office/drawing/2014/main" id="{CDF8AD69-2989-05E6-FAFD-1EDCDB26170B}"/>
-              </a:ext>
-            </a:extLst>
-          </p:cNvPr>
-          <p:cNvPicPr>
-            <a:picLocks noChangeAspect="1"/>
-          </p:cNvPicPr>
-          <p:nvPr/>
-        </p:nvPicPr>
-        <p:blipFill>
-          <a:blip r:embed="rId2"/>
-          <a:stretch>
-            <a:fillRect/>
-          </a:stretch>
-        </p:blipFill>
-        <p:spPr>
-          <a:xfrm>
-            <a:off x="233432" y="206012"/>
-            <a:ext cx="7144747" cy="2486372"/>
-          </a:xfrm>
-          <a:prstGeom prst="rect">
-            <a:avLst/>
-          </a:prstGeom>
-        </p:spPr>
-      </p:pic>
-    </p:spTree>
-    <p:extLst>
-      <p:ext uri="{BB962C8B-B14F-4D97-AF65-F5344CB8AC3E}">
-        <p14:creationId xmlns:p14="http://schemas.microsoft.com/office/powerpoint/2010/main" val="3469742941"/>
-      </p:ext>
-    </p:extLst>
-  </p:cSld>
-  <p:clrMapOvr>
-    <a:masterClrMapping/>
-  </p:clrMapOvr>
-</p:sld>
-</file>
-
 <file path=ppt/slides/slide3.xml><?xml version="1.0" encoding="utf-8"?>
 <p:sld xmlns:a="http://schemas.openxmlformats.org/drawingml/2006/main" xmlns:r="http://schemas.openxmlformats.org/officeDocument/2006/relationships" xmlns:p="http://schemas.openxmlformats.org/presentationml/2006/main">
   <p:cSld>
@@ -7327,6 +6949,79 @@
         <p:cNvPr id="1" name="">
           <a:extLst>
             <a:ext uri="{FF2B5EF4-FFF2-40B4-BE49-F238E27FC236}">
+              <a16:creationId xmlns:a16="http://schemas.microsoft.com/office/drawing/2014/main" id="{DB1E1595-8136-BBE7-EEDF-ECF2BE40DB94}"/>
+            </a:ext>
+          </a:extLst>
+        </p:cNvPr>
+        <p:cNvGrpSpPr/>
+        <p:nvPr/>
+      </p:nvGrpSpPr>
+      <p:grpSpPr>
+        <a:xfrm>
+          <a:off x="0" y="0"/>
+          <a:ext cx="0" cy="0"/>
+          <a:chOff x="0" y="0"/>
+          <a:chExt cx="0" cy="0"/>
+        </a:xfrm>
+      </p:grpSpPr>
+      <p:sp>
+        <p:nvSpPr>
+          <p:cNvPr id="2" name="Title 1">
+            <a:extLst>
+              <a:ext uri="{FF2B5EF4-FFF2-40B4-BE49-F238E27FC236}">
+                <a16:creationId xmlns:a16="http://schemas.microsoft.com/office/drawing/2014/main" id="{9A0408B0-4B1E-E16E-9359-EC86ADFC99E4}"/>
+              </a:ext>
+            </a:extLst>
+          </p:cNvPr>
+          <p:cNvSpPr>
+            <a:spLocks noGrp="1"/>
+          </p:cNvSpPr>
+          <p:nvPr>
+            <p:ph type="ctrTitle"/>
+          </p:nvPr>
+        </p:nvSpPr>
+        <p:spPr>
+          <a:xfrm>
+            <a:off x="626378" y="360726"/>
+            <a:ext cx="9144000" cy="817097"/>
+          </a:xfrm>
+        </p:spPr>
+        <p:txBody>
+          <a:bodyPr>
+            <a:noAutofit/>
+          </a:bodyPr>
+          <a:lstStyle/>
+          <a:p>
+            <a:pPr algn="l"/>
+            <a:r>
+              <a:rPr lang="en-US" sz="4800" dirty="0" err="1"/>
+              <a:t>Decomposititon</a:t>
+            </a:r>
+            <a:endParaRPr lang="en-ID" sz="4800" dirty="0"/>
+          </a:p>
+        </p:txBody>
+      </p:sp>
+    </p:spTree>
+    <p:extLst>
+      <p:ext uri="{BB962C8B-B14F-4D97-AF65-F5344CB8AC3E}">
+        <p14:creationId xmlns:p14="http://schemas.microsoft.com/office/powerpoint/2010/main" val="3384525144"/>
+      </p:ext>
+    </p:extLst>
+  </p:cSld>
+  <p:clrMapOvr>
+    <a:masterClrMapping/>
+  </p:clrMapOvr>
+</p:sld>
+</file>
+
+<file path=ppt/slides/slide5.xml><?xml version="1.0" encoding="utf-8"?>
+<p:sld xmlns:a="http://schemas.openxmlformats.org/drawingml/2006/main" xmlns:r="http://schemas.openxmlformats.org/officeDocument/2006/relationships" xmlns:p="http://schemas.openxmlformats.org/presentationml/2006/main">
+  <p:cSld>
+    <p:spTree>
+      <p:nvGrpSpPr>
+        <p:cNvPr id="1" name="">
+          <a:extLst>
+            <a:ext uri="{FF2B5EF4-FFF2-40B4-BE49-F238E27FC236}">
               <a16:creationId xmlns:a16="http://schemas.microsoft.com/office/drawing/2014/main" id="{CA33641D-89A9-F95D-E296-88D7F071F4FA}"/>
             </a:ext>
           </a:extLst>
@@ -7392,7 +7087,799 @@
 </p:sld>
 </file>
 
-<file path=ppt/slides/slide5.xml><?xml version="1.0" encoding="utf-8"?>
+<file path=ppt/slides/slide6.xml><?xml version="1.0" encoding="utf-8"?>
+<p:sld xmlns:a="http://schemas.openxmlformats.org/drawingml/2006/main" xmlns:r="http://schemas.openxmlformats.org/officeDocument/2006/relationships" xmlns:p="http://schemas.openxmlformats.org/presentationml/2006/main">
+  <p:cSld>
+    <p:spTree>
+      <p:nvGrpSpPr>
+        <p:cNvPr id="1" name=""/>
+        <p:cNvGrpSpPr/>
+        <p:nvPr/>
+      </p:nvGrpSpPr>
+      <p:grpSpPr>
+        <a:xfrm>
+          <a:off x="0" y="0"/>
+          <a:ext cx="0" cy="0"/>
+          <a:chOff x="0" y="0"/>
+          <a:chExt cx="0" cy="0"/>
+        </a:xfrm>
+      </p:grpSpPr>
+      <p:pic>
+        <p:nvPicPr>
+          <p:cNvPr id="3" name="Picture 2">
+            <a:extLst>
+              <a:ext uri="{FF2B5EF4-FFF2-40B4-BE49-F238E27FC236}">
+                <a16:creationId xmlns:a16="http://schemas.microsoft.com/office/drawing/2014/main" id="{9B588632-23B8-7B9D-064F-AAF8C68C3C87}"/>
+              </a:ext>
+            </a:extLst>
+          </p:cNvPr>
+          <p:cNvPicPr>
+            <a:picLocks noChangeAspect="1"/>
+          </p:cNvPicPr>
+          <p:nvPr/>
+        </p:nvPicPr>
+        <p:blipFill>
+          <a:blip r:embed="rId2"/>
+          <a:stretch>
+            <a:fillRect/>
+          </a:stretch>
+        </p:blipFill>
+        <p:spPr>
+          <a:xfrm>
+            <a:off x="316513" y="224744"/>
+            <a:ext cx="6858957" cy="6115904"/>
+          </a:xfrm>
+          <a:prstGeom prst="rect">
+            <a:avLst/>
+          </a:prstGeom>
+        </p:spPr>
+      </p:pic>
+    </p:spTree>
+    <p:extLst>
+      <p:ext uri="{BB962C8B-B14F-4D97-AF65-F5344CB8AC3E}">
+        <p14:creationId xmlns:p14="http://schemas.microsoft.com/office/powerpoint/2010/main" val="2081875960"/>
+      </p:ext>
+    </p:extLst>
+  </p:cSld>
+  <p:clrMapOvr>
+    <a:masterClrMapping/>
+  </p:clrMapOvr>
+</p:sld>
+</file>
+
+<file path=ppt/slides/slide7.xml><?xml version="1.0" encoding="utf-8"?>
+<p:sld xmlns:a="http://schemas.openxmlformats.org/drawingml/2006/main" xmlns:r="http://schemas.openxmlformats.org/officeDocument/2006/relationships" xmlns:p="http://schemas.openxmlformats.org/presentationml/2006/main">
+  <p:cSld>
+    <p:spTree>
+      <p:nvGrpSpPr>
+        <p:cNvPr id="1" name="">
+          <a:extLst>
+            <a:ext uri="{FF2B5EF4-FFF2-40B4-BE49-F238E27FC236}">
+              <a16:creationId xmlns:a16="http://schemas.microsoft.com/office/drawing/2014/main" id="{F19BA6A0-3C7F-5C72-9B47-4DA06B855B75}"/>
+            </a:ext>
+          </a:extLst>
+        </p:cNvPr>
+        <p:cNvGrpSpPr/>
+        <p:nvPr/>
+      </p:nvGrpSpPr>
+      <p:grpSpPr>
+        <a:xfrm>
+          <a:off x="0" y="0"/>
+          <a:ext cx="0" cy="0"/>
+          <a:chOff x="0" y="0"/>
+          <a:chExt cx="0" cy="0"/>
+        </a:xfrm>
+      </p:grpSpPr>
+      <p:sp>
+        <p:nvSpPr>
+          <p:cNvPr id="2" name="Title 1">
+            <a:extLst>
+              <a:ext uri="{FF2B5EF4-FFF2-40B4-BE49-F238E27FC236}">
+                <a16:creationId xmlns:a16="http://schemas.microsoft.com/office/drawing/2014/main" id="{8D8C3C85-6A80-A9A4-9A10-50652668BC23}"/>
+              </a:ext>
+            </a:extLst>
+          </p:cNvPr>
+          <p:cNvSpPr>
+            <a:spLocks noGrp="1"/>
+          </p:cNvSpPr>
+          <p:nvPr>
+            <p:ph type="ctrTitle"/>
+          </p:nvPr>
+        </p:nvSpPr>
+        <p:spPr>
+          <a:xfrm>
+            <a:off x="626378" y="360726"/>
+            <a:ext cx="9144000" cy="817097"/>
+          </a:xfrm>
+        </p:spPr>
+        <p:txBody>
+          <a:bodyPr>
+            <a:noAutofit/>
+          </a:bodyPr>
+          <a:lstStyle/>
+          <a:p>
+            <a:pPr algn="l"/>
+            <a:r>
+              <a:rPr lang="en-US" sz="4800" dirty="0" err="1"/>
+              <a:t>Decomposititon</a:t>
+            </a:r>
+            <a:endParaRPr lang="en-ID" sz="4800" dirty="0"/>
+          </a:p>
+        </p:txBody>
+      </p:sp>
+      <p:pic>
+        <p:nvPicPr>
+          <p:cNvPr id="1026" name="Picture 2">
+            <a:extLst>
+              <a:ext uri="{FF2B5EF4-FFF2-40B4-BE49-F238E27FC236}">
+                <a16:creationId xmlns:a16="http://schemas.microsoft.com/office/drawing/2014/main" id="{489F0CC6-C4F6-2788-1DEF-177C26735AA8}"/>
+              </a:ext>
+            </a:extLst>
+          </p:cNvPr>
+          <p:cNvPicPr>
+            <a:picLocks noChangeAspect="1" noChangeArrowheads="1"/>
+          </p:cNvPicPr>
+          <p:nvPr/>
+        </p:nvPicPr>
+        <p:blipFill>
+          <a:blip r:embed="rId2">
+            <a:extLst>
+              <a:ext uri="{28A0092B-C50C-407E-A947-70E740481C1C}">
+                <a14:useLocalDpi xmlns:a14="http://schemas.microsoft.com/office/drawing/2010/main" val="0"/>
+              </a:ext>
+            </a:extLst>
+          </a:blip>
+          <a:srcRect/>
+          <a:stretch>
+            <a:fillRect/>
+          </a:stretch>
+        </p:blipFill>
+        <p:spPr bwMode="auto">
+          <a:xfrm>
+            <a:off x="5638647" y="360726"/>
+            <a:ext cx="5476875" cy="5476875"/>
+          </a:xfrm>
+          <a:prstGeom prst="rect">
+            <a:avLst/>
+          </a:prstGeom>
+          <a:noFill/>
+          <a:extLst>
+            <a:ext uri="{909E8E84-426E-40DD-AFC4-6F175D3DCCD1}">
+              <a14:hiddenFill xmlns:a14="http://schemas.microsoft.com/office/drawing/2010/main">
+                <a:solidFill>
+                  <a:srgbClr val="FFFFFF"/>
+                </a:solidFill>
+              </a14:hiddenFill>
+            </a:ext>
+          </a:extLst>
+        </p:spPr>
+      </p:pic>
+    </p:spTree>
+    <p:extLst>
+      <p:ext uri="{BB962C8B-B14F-4D97-AF65-F5344CB8AC3E}">
+        <p14:creationId xmlns:p14="http://schemas.microsoft.com/office/powerpoint/2010/main" val="1634500073"/>
+      </p:ext>
+    </p:extLst>
+  </p:cSld>
+  <p:clrMapOvr>
+    <a:masterClrMapping/>
+  </p:clrMapOvr>
+</p:sld>
+</file>
+
+<file path=ppt/slides/slide8.xml><?xml version="1.0" encoding="utf-8"?>
+<p:sld xmlns:a="http://schemas.openxmlformats.org/drawingml/2006/main" xmlns:r="http://schemas.openxmlformats.org/officeDocument/2006/relationships" xmlns:p="http://schemas.openxmlformats.org/presentationml/2006/main">
+  <p:cSld>
+    <p:spTree>
+      <p:nvGrpSpPr>
+        <p:cNvPr id="1" name=""/>
+        <p:cNvGrpSpPr/>
+        <p:nvPr/>
+      </p:nvGrpSpPr>
+      <p:grpSpPr>
+        <a:xfrm>
+          <a:off x="0" y="0"/>
+          <a:ext cx="0" cy="0"/>
+          <a:chOff x="0" y="0"/>
+          <a:chExt cx="0" cy="0"/>
+        </a:xfrm>
+      </p:grpSpPr>
+      <p:sp>
+        <p:nvSpPr>
+          <p:cNvPr id="3" name="TextBox 2">
+            <a:extLst>
+              <a:ext uri="{FF2B5EF4-FFF2-40B4-BE49-F238E27FC236}">
+                <a16:creationId xmlns:a16="http://schemas.microsoft.com/office/drawing/2014/main" id="{CE088E58-9076-7B66-FEB4-FCD64AF0C8EB}"/>
+              </a:ext>
+            </a:extLst>
+          </p:cNvPr>
+          <p:cNvSpPr txBox="1"/>
+          <p:nvPr/>
+        </p:nvSpPr>
+        <p:spPr>
+          <a:xfrm>
+            <a:off x="468630" y="350812"/>
+            <a:ext cx="6094476" cy="1200329"/>
+          </a:xfrm>
+          <a:prstGeom prst="rect">
+            <a:avLst/>
+          </a:prstGeom>
+          <a:noFill/>
+        </p:spPr>
+        <p:txBody>
+          <a:bodyPr wrap="square">
+            <a:spAutoFit/>
+          </a:bodyPr>
+          <a:lstStyle/>
+          <a:p>
+            <a:r>
+              <a:rPr lang="en-ID" b="1" dirty="0" err="1"/>
+              <a:t>LABIRIN</a:t>
+            </a:r>
+            <a:r>
+              <a:rPr lang="en-ID" dirty="0"/>
+              <a:t> </a:t>
+            </a:r>
+          </a:p>
+          <a:p>
+            <a:r>
+              <a:rPr lang="en-ID" dirty="0"/>
+              <a:t>Yola </a:t>
+            </a:r>
+            <a:r>
+              <a:rPr lang="en-ID" dirty="0" err="1"/>
+              <a:t>sedang</a:t>
+            </a:r>
+            <a:r>
+              <a:rPr lang="en-ID" dirty="0"/>
+              <a:t> </a:t>
+            </a:r>
+            <a:r>
+              <a:rPr lang="en-ID" dirty="0" err="1"/>
+              <a:t>menyusun</a:t>
+            </a:r>
+            <a:r>
+              <a:rPr lang="en-ID" dirty="0"/>
+              <a:t> </a:t>
+            </a:r>
+            <a:r>
+              <a:rPr lang="en-ID" dirty="0" err="1"/>
+              <a:t>sekumpulan</a:t>
+            </a:r>
+            <a:r>
+              <a:rPr lang="en-ID" dirty="0"/>
+              <a:t> </a:t>
+            </a:r>
+            <a:r>
+              <a:rPr lang="en-ID" dirty="0" err="1"/>
+              <a:t>tanda</a:t>
+            </a:r>
+            <a:r>
+              <a:rPr lang="en-ID" dirty="0"/>
+              <a:t> </a:t>
+            </a:r>
+            <a:r>
+              <a:rPr lang="en-ID" dirty="0" err="1"/>
+              <a:t>panah</a:t>
+            </a:r>
+            <a:r>
+              <a:rPr lang="en-ID" dirty="0"/>
+              <a:t> yang </a:t>
+            </a:r>
+            <a:r>
+              <a:rPr lang="en-ID" dirty="0" err="1"/>
+              <a:t>dapat</a:t>
+            </a:r>
+            <a:r>
+              <a:rPr lang="en-ID" dirty="0"/>
+              <a:t> </a:t>
+            </a:r>
+            <a:r>
+              <a:rPr lang="en-ID" dirty="0" err="1"/>
+              <a:t>mengarahkan</a:t>
+            </a:r>
+            <a:r>
+              <a:rPr lang="en-ID" dirty="0"/>
+              <a:t> bola </a:t>
+            </a:r>
+            <a:r>
+              <a:rPr lang="en-ID" dirty="0" err="1"/>
+              <a:t>hijau</a:t>
+            </a:r>
+            <a:r>
+              <a:rPr lang="en-ID" dirty="0"/>
+              <a:t> </a:t>
+            </a:r>
+            <a:r>
+              <a:rPr lang="en-ID" dirty="0" err="1"/>
+              <a:t>tersebut</a:t>
+            </a:r>
+            <a:r>
+              <a:rPr lang="en-ID" dirty="0"/>
+              <a:t> </a:t>
+            </a:r>
+            <a:r>
+              <a:rPr lang="en-ID" dirty="0" err="1"/>
+              <a:t>menuju</a:t>
+            </a:r>
+            <a:r>
+              <a:rPr lang="en-ID" dirty="0"/>
+              <a:t> </a:t>
+            </a:r>
+            <a:r>
+              <a:rPr lang="en-ID" dirty="0" err="1"/>
+              <a:t>pintu</a:t>
+            </a:r>
+            <a:r>
+              <a:rPr lang="en-ID" dirty="0"/>
+              <a:t> </a:t>
+            </a:r>
+            <a:r>
+              <a:rPr lang="en-ID" dirty="0" err="1"/>
+              <a:t>keluar</a:t>
+            </a:r>
+            <a:r>
+              <a:rPr lang="en-ID" dirty="0"/>
+              <a:t> yang </a:t>
+            </a:r>
+            <a:r>
+              <a:rPr lang="en-ID" dirty="0" err="1"/>
+              <a:t>ditandai</a:t>
+            </a:r>
+            <a:r>
+              <a:rPr lang="en-ID" dirty="0"/>
+              <a:t> </a:t>
+            </a:r>
+            <a:r>
+              <a:rPr lang="en-ID" dirty="0" err="1"/>
+              <a:t>dengan</a:t>
+            </a:r>
+            <a:r>
+              <a:rPr lang="en-ID" dirty="0"/>
+              <a:t> x.</a:t>
+            </a:r>
+          </a:p>
+        </p:txBody>
+      </p:sp>
+      <p:pic>
+        <p:nvPicPr>
+          <p:cNvPr id="5" name="Picture 4">
+            <a:extLst>
+              <a:ext uri="{FF2B5EF4-FFF2-40B4-BE49-F238E27FC236}">
+                <a16:creationId xmlns:a16="http://schemas.microsoft.com/office/drawing/2014/main" id="{95B6B18D-4B56-9364-8CDE-E70CF479919F}"/>
+              </a:ext>
+            </a:extLst>
+          </p:cNvPr>
+          <p:cNvPicPr>
+            <a:picLocks noChangeAspect="1"/>
+          </p:cNvPicPr>
+          <p:nvPr/>
+        </p:nvPicPr>
+        <p:blipFill>
+          <a:blip r:embed="rId2"/>
+          <a:stretch>
+            <a:fillRect/>
+          </a:stretch>
+        </p:blipFill>
+        <p:spPr>
+          <a:xfrm>
+            <a:off x="589352" y="1683754"/>
+            <a:ext cx="3515216" cy="1076475"/>
+          </a:xfrm>
+          <a:prstGeom prst="rect">
+            <a:avLst/>
+          </a:prstGeom>
+        </p:spPr>
+      </p:pic>
+      <p:sp>
+        <p:nvSpPr>
+          <p:cNvPr id="8" name="TextBox 7">
+            <a:extLst>
+              <a:ext uri="{FF2B5EF4-FFF2-40B4-BE49-F238E27FC236}">
+                <a16:creationId xmlns:a16="http://schemas.microsoft.com/office/drawing/2014/main" id="{8E0D0DEF-202A-5BE6-E2DE-3F30F475167B}"/>
+              </a:ext>
+            </a:extLst>
+          </p:cNvPr>
+          <p:cNvSpPr txBox="1"/>
+          <p:nvPr/>
+        </p:nvSpPr>
+        <p:spPr>
+          <a:xfrm>
+            <a:off x="468630" y="2892842"/>
+            <a:ext cx="6094476" cy="369332"/>
+          </a:xfrm>
+          <a:prstGeom prst="rect">
+            <a:avLst/>
+          </a:prstGeom>
+          <a:noFill/>
+        </p:spPr>
+        <p:txBody>
+          <a:bodyPr wrap="square">
+            <a:spAutoFit/>
+          </a:bodyPr>
+          <a:lstStyle/>
+          <a:p>
+            <a:r>
+              <a:rPr lang="en-ID" dirty="0" err="1"/>
+              <a:t>Jenis</a:t>
+            </a:r>
+            <a:r>
+              <a:rPr lang="en-ID" dirty="0"/>
+              <a:t> </a:t>
+            </a:r>
+            <a:r>
+              <a:rPr lang="en-ID" dirty="0" err="1"/>
+              <a:t>tanda</a:t>
+            </a:r>
+            <a:r>
+              <a:rPr lang="en-ID" dirty="0"/>
+              <a:t> </a:t>
+            </a:r>
+            <a:r>
+              <a:rPr lang="en-ID" dirty="0" err="1"/>
+              <a:t>panah</a:t>
+            </a:r>
+            <a:r>
+              <a:rPr lang="en-ID" dirty="0"/>
+              <a:t> yang </a:t>
+            </a:r>
+            <a:r>
+              <a:rPr lang="en-ID" dirty="0" err="1"/>
+              <a:t>dimiliki</a:t>
+            </a:r>
+            <a:r>
+              <a:rPr lang="en-ID" dirty="0"/>
+              <a:t> oleh Yola </a:t>
+            </a:r>
+            <a:r>
+              <a:rPr lang="en-ID" dirty="0" err="1"/>
+              <a:t>adalah</a:t>
+            </a:r>
+            <a:endParaRPr lang="en-ID" dirty="0"/>
+          </a:p>
+        </p:txBody>
+      </p:sp>
+      <p:pic>
+        <p:nvPicPr>
+          <p:cNvPr id="10" name="Picture 9">
+            <a:extLst>
+              <a:ext uri="{FF2B5EF4-FFF2-40B4-BE49-F238E27FC236}">
+                <a16:creationId xmlns:a16="http://schemas.microsoft.com/office/drawing/2014/main" id="{5FC4D2F1-8DD0-A085-F4D2-AFAEFD20E791}"/>
+              </a:ext>
+            </a:extLst>
+          </p:cNvPr>
+          <p:cNvPicPr>
+            <a:picLocks noChangeAspect="1"/>
+          </p:cNvPicPr>
+          <p:nvPr/>
+        </p:nvPicPr>
+        <p:blipFill>
+          <a:blip r:embed="rId3"/>
+          <a:stretch>
+            <a:fillRect/>
+          </a:stretch>
+        </p:blipFill>
+        <p:spPr>
+          <a:xfrm>
+            <a:off x="589352" y="3264409"/>
+            <a:ext cx="1752845" cy="428685"/>
+          </a:xfrm>
+          <a:prstGeom prst="rect">
+            <a:avLst/>
+          </a:prstGeom>
+        </p:spPr>
+      </p:pic>
+      <p:sp>
+        <p:nvSpPr>
+          <p:cNvPr id="13" name="TextBox 12">
+            <a:extLst>
+              <a:ext uri="{FF2B5EF4-FFF2-40B4-BE49-F238E27FC236}">
+                <a16:creationId xmlns:a16="http://schemas.microsoft.com/office/drawing/2014/main" id="{BADC260B-06D0-B885-02F8-59559BA71EFF}"/>
+              </a:ext>
+            </a:extLst>
+          </p:cNvPr>
+          <p:cNvSpPr txBox="1"/>
+          <p:nvPr/>
+        </p:nvSpPr>
+        <p:spPr>
+          <a:xfrm>
+            <a:off x="484632" y="3865211"/>
+            <a:ext cx="6094476" cy="1477328"/>
+          </a:xfrm>
+          <a:prstGeom prst="rect">
+            <a:avLst/>
+          </a:prstGeom>
+          <a:noFill/>
+        </p:spPr>
+        <p:txBody>
+          <a:bodyPr wrap="square">
+            <a:spAutoFit/>
+          </a:bodyPr>
+          <a:lstStyle/>
+          <a:p>
+            <a:r>
+              <a:rPr lang="en-ID" dirty="0"/>
+              <a:t>Yola </a:t>
+            </a:r>
+            <a:r>
+              <a:rPr lang="en-ID" dirty="0" err="1"/>
+              <a:t>hanya</a:t>
+            </a:r>
+            <a:r>
+              <a:rPr lang="en-ID" dirty="0"/>
+              <a:t> </a:t>
+            </a:r>
+            <a:r>
+              <a:rPr lang="en-ID" dirty="0" err="1"/>
+              <a:t>diperbolehkan</a:t>
+            </a:r>
+            <a:r>
+              <a:rPr lang="en-ID" dirty="0"/>
+              <a:t> </a:t>
+            </a:r>
+            <a:r>
+              <a:rPr lang="en-ID" dirty="0" err="1"/>
+              <a:t>menggunakan</a:t>
+            </a:r>
+            <a:r>
+              <a:rPr lang="en-ID" dirty="0"/>
+              <a:t> 8 </a:t>
+            </a:r>
+            <a:r>
+              <a:rPr lang="en-ID" dirty="0" err="1"/>
+              <a:t>buah</a:t>
+            </a:r>
+            <a:r>
+              <a:rPr lang="en-ID" dirty="0"/>
+              <a:t> </a:t>
+            </a:r>
+            <a:r>
+              <a:rPr lang="en-ID" dirty="0" err="1"/>
+              <a:t>tanda</a:t>
+            </a:r>
+            <a:r>
+              <a:rPr lang="en-ID" dirty="0"/>
+              <a:t> </a:t>
+            </a:r>
+            <a:r>
+              <a:rPr lang="en-ID" dirty="0" err="1"/>
+              <a:t>panah</a:t>
+            </a:r>
+            <a:r>
+              <a:rPr lang="en-ID" dirty="0"/>
+              <a:t>. </a:t>
+            </a:r>
+            <a:r>
+              <a:rPr lang="en-ID" dirty="0" err="1"/>
+              <a:t>Sekumpulan</a:t>
+            </a:r>
+            <a:r>
+              <a:rPr lang="en-ID" dirty="0"/>
+              <a:t> </a:t>
+            </a:r>
+            <a:r>
+              <a:rPr lang="en-ID" dirty="0" err="1"/>
+              <a:t>tanda</a:t>
+            </a:r>
+            <a:r>
+              <a:rPr lang="en-ID" dirty="0"/>
+              <a:t> </a:t>
+            </a:r>
+            <a:r>
+              <a:rPr lang="en-ID" dirty="0" err="1"/>
+              <a:t>panah</a:t>
+            </a:r>
+            <a:r>
+              <a:rPr lang="en-ID" dirty="0"/>
+              <a:t> yang </a:t>
+            </a:r>
+            <a:r>
+              <a:rPr lang="en-ID" dirty="0" err="1"/>
+              <a:t>disusun</a:t>
+            </a:r>
+            <a:r>
+              <a:rPr lang="en-ID" dirty="0"/>
+              <a:t> oleh Yola </a:t>
+            </a:r>
+            <a:r>
+              <a:rPr lang="en-ID" dirty="0" err="1"/>
+              <a:t>akan</a:t>
+            </a:r>
+            <a:r>
+              <a:rPr lang="en-ID" dirty="0"/>
+              <a:t> </a:t>
+            </a:r>
+            <a:r>
+              <a:rPr lang="en-ID" dirty="0" err="1"/>
+              <a:t>diulang</a:t>
+            </a:r>
+            <a:r>
+              <a:rPr lang="en-ID" dirty="0"/>
+              <a:t> </a:t>
+            </a:r>
+            <a:r>
+              <a:rPr lang="en-ID" dirty="0" err="1"/>
+              <a:t>sebanyak</a:t>
+            </a:r>
+            <a:r>
+              <a:rPr lang="en-ID" dirty="0"/>
+              <a:t> 4 kali. Bola </a:t>
+            </a:r>
+            <a:r>
+              <a:rPr lang="en-ID" dirty="0" err="1"/>
+              <a:t>hanya</a:t>
+            </a:r>
+            <a:r>
+              <a:rPr lang="en-ID" dirty="0"/>
+              <a:t> </a:t>
+            </a:r>
+            <a:r>
+              <a:rPr lang="en-ID" dirty="0" err="1"/>
+              <a:t>dapat</a:t>
+            </a:r>
+            <a:r>
+              <a:rPr lang="en-ID" dirty="0"/>
+              <a:t> </a:t>
+            </a:r>
+            <a:r>
+              <a:rPr lang="en-ID" dirty="0" err="1"/>
+              <a:t>bergerak</a:t>
+            </a:r>
+            <a:r>
+              <a:rPr lang="en-ID" dirty="0"/>
+              <a:t> di </a:t>
+            </a:r>
+            <a:r>
+              <a:rPr lang="en-ID" dirty="0" err="1"/>
+              <a:t>kotak</a:t>
+            </a:r>
+            <a:r>
+              <a:rPr lang="en-ID" dirty="0"/>
+              <a:t> yang </a:t>
+            </a:r>
+            <a:r>
+              <a:rPr lang="en-ID" dirty="0" err="1"/>
+              <a:t>berwarna</a:t>
+            </a:r>
+            <a:r>
+              <a:rPr lang="en-ID" dirty="0"/>
+              <a:t> </a:t>
+            </a:r>
+            <a:r>
+              <a:rPr lang="en-ID" dirty="0" err="1"/>
+              <a:t>putih</a:t>
+            </a:r>
+            <a:r>
+              <a:rPr lang="en-ID" dirty="0"/>
+              <a:t>. </a:t>
+            </a:r>
+            <a:r>
+              <a:rPr lang="en-ID" dirty="0" err="1"/>
+              <a:t>tanda</a:t>
+            </a:r>
+            <a:r>
+              <a:rPr lang="en-ID" dirty="0"/>
+              <a:t> </a:t>
+            </a:r>
+            <a:r>
+              <a:rPr lang="en-ID" dirty="0" err="1"/>
+              <a:t>panah</a:t>
+            </a:r>
+            <a:r>
+              <a:rPr lang="en-ID" dirty="0"/>
+              <a:t> yang </a:t>
+            </a:r>
+            <a:r>
+              <a:rPr lang="en-ID" dirty="0" err="1"/>
+              <a:t>dapat</a:t>
+            </a:r>
+            <a:r>
+              <a:rPr lang="en-ID" dirty="0"/>
+              <a:t> </a:t>
+            </a:r>
+            <a:r>
+              <a:rPr lang="en-ID" dirty="0" err="1"/>
+              <a:t>mengarahkan</a:t>
+            </a:r>
+            <a:r>
+              <a:rPr lang="en-ID" dirty="0"/>
+              <a:t> bola </a:t>
+            </a:r>
+            <a:r>
+              <a:rPr lang="en-ID" dirty="0" err="1"/>
+              <a:t>hijau</a:t>
+            </a:r>
+            <a:r>
+              <a:rPr lang="en-ID" dirty="0"/>
+              <a:t> </a:t>
+            </a:r>
+            <a:r>
+              <a:rPr lang="en-ID" dirty="0" err="1"/>
+              <a:t>menuju</a:t>
+            </a:r>
+            <a:r>
+              <a:rPr lang="en-ID" dirty="0"/>
+              <a:t> </a:t>
+            </a:r>
+            <a:r>
+              <a:rPr lang="en-ID" dirty="0" err="1"/>
+              <a:t>kotak</a:t>
+            </a:r>
+            <a:r>
+              <a:rPr lang="en-ID" dirty="0"/>
+              <a:t> yang </a:t>
+            </a:r>
+            <a:r>
+              <a:rPr lang="en-ID" dirty="0" err="1"/>
+              <a:t>ditandai</a:t>
+            </a:r>
+            <a:r>
+              <a:rPr lang="en-ID" dirty="0"/>
+              <a:t> </a:t>
+            </a:r>
+            <a:r>
+              <a:rPr lang="en-ID" dirty="0" err="1"/>
+              <a:t>dengan</a:t>
+            </a:r>
+            <a:r>
+              <a:rPr lang="en-ID" dirty="0"/>
+              <a:t> ‘x’ </a:t>
+            </a:r>
+            <a:r>
+              <a:rPr lang="en-ID" dirty="0" err="1"/>
+              <a:t>adalah</a:t>
+            </a:r>
+            <a:r>
+              <a:rPr lang="en-ID" dirty="0"/>
+              <a:t> …</a:t>
+            </a:r>
+          </a:p>
+        </p:txBody>
+      </p:sp>
+      <p:pic>
+        <p:nvPicPr>
+          <p:cNvPr id="15" name="Picture 14">
+            <a:extLst>
+              <a:ext uri="{FF2B5EF4-FFF2-40B4-BE49-F238E27FC236}">
+                <a16:creationId xmlns:a16="http://schemas.microsoft.com/office/drawing/2014/main" id="{61C16064-19BD-232C-755E-CAE9CC6709ED}"/>
+              </a:ext>
+            </a:extLst>
+          </p:cNvPr>
+          <p:cNvPicPr>
+            <a:picLocks noChangeAspect="1"/>
+          </p:cNvPicPr>
+          <p:nvPr/>
+        </p:nvPicPr>
+        <p:blipFill>
+          <a:blip r:embed="rId4"/>
+          <a:stretch>
+            <a:fillRect/>
+          </a:stretch>
+        </p:blipFill>
+        <p:spPr>
+          <a:xfrm>
+            <a:off x="6753938" y="202529"/>
+            <a:ext cx="2563798" cy="1257315"/>
+          </a:xfrm>
+          <a:prstGeom prst="rect">
+            <a:avLst/>
+          </a:prstGeom>
+        </p:spPr>
+      </p:pic>
+    </p:spTree>
+    <p:extLst>
+      <p:ext uri="{BB962C8B-B14F-4D97-AF65-F5344CB8AC3E}">
+        <p14:creationId xmlns:p14="http://schemas.microsoft.com/office/powerpoint/2010/main" val="1545623353"/>
+      </p:ext>
+    </p:extLst>
+  </p:cSld>
+  <p:clrMapOvr>
+    <a:masterClrMapping/>
+  </p:clrMapOvr>
+</p:sld>
+</file>
+
+<file path=ppt/slides/slide9.xml><?xml version="1.0" encoding="utf-8"?>
 <p:sld xmlns:a="http://schemas.openxmlformats.org/drawingml/2006/main" xmlns:r="http://schemas.openxmlformats.org/officeDocument/2006/relationships" xmlns:p="http://schemas.openxmlformats.org/presentationml/2006/main">
   <p:cSld>
     <p:spTree>
@@ -7456,298 +7943,6 @@
     <p:extLst>
       <p:ext uri="{BB962C8B-B14F-4D97-AF65-F5344CB8AC3E}">
         <p14:creationId xmlns:p14="http://schemas.microsoft.com/office/powerpoint/2010/main" val="3617569285"/>
-      </p:ext>
-    </p:extLst>
-  </p:cSld>
-  <p:clrMapOvr>
-    <a:masterClrMapping/>
-  </p:clrMapOvr>
-</p:sld>
-</file>
-
-<file path=ppt/slides/slide6.xml><?xml version="1.0" encoding="utf-8"?>
-<p:sld xmlns:a="http://schemas.openxmlformats.org/drawingml/2006/main" xmlns:r="http://schemas.openxmlformats.org/officeDocument/2006/relationships" xmlns:p="http://schemas.openxmlformats.org/presentationml/2006/main">
-  <p:cSld>
-    <p:spTree>
-      <p:nvGrpSpPr>
-        <p:cNvPr id="1" name="">
-          <a:extLst>
-            <a:ext uri="{FF2B5EF4-FFF2-40B4-BE49-F238E27FC236}">
-              <a16:creationId xmlns:a16="http://schemas.microsoft.com/office/drawing/2014/main" id="{203C251F-3991-948A-09CD-78E5139F9003}"/>
-            </a:ext>
-          </a:extLst>
-        </p:cNvPr>
-        <p:cNvGrpSpPr/>
-        <p:nvPr/>
-      </p:nvGrpSpPr>
-      <p:grpSpPr>
-        <a:xfrm>
-          <a:off x="0" y="0"/>
-          <a:ext cx="0" cy="0"/>
-          <a:chOff x="0" y="0"/>
-          <a:chExt cx="0" cy="0"/>
-        </a:xfrm>
-      </p:grpSpPr>
-      <p:sp>
-        <p:nvSpPr>
-          <p:cNvPr id="2" name="Title 1">
-            <a:extLst>
-              <a:ext uri="{FF2B5EF4-FFF2-40B4-BE49-F238E27FC236}">
-                <a16:creationId xmlns:a16="http://schemas.microsoft.com/office/drawing/2014/main" id="{FEDF1AD5-5750-9189-75D5-B141ED3CB8C1}"/>
-              </a:ext>
-            </a:extLst>
-          </p:cNvPr>
-          <p:cNvSpPr>
-            <a:spLocks noGrp="1"/>
-          </p:cNvSpPr>
-          <p:nvPr>
-            <p:ph type="ctrTitle"/>
-          </p:nvPr>
-        </p:nvSpPr>
-        <p:spPr>
-          <a:xfrm>
-            <a:off x="626378" y="360726"/>
-            <a:ext cx="9144000" cy="817097"/>
-          </a:xfrm>
-        </p:spPr>
-        <p:txBody>
-          <a:bodyPr>
-            <a:noAutofit/>
-          </a:bodyPr>
-          <a:lstStyle/>
-          <a:p>
-            <a:pPr algn="l"/>
-            <a:r>
-              <a:rPr lang="en-US" sz="4800" dirty="0"/>
-              <a:t>Abstraction</a:t>
-            </a:r>
-            <a:endParaRPr lang="en-ID" sz="4800" dirty="0"/>
-          </a:p>
-        </p:txBody>
-      </p:sp>
-    </p:spTree>
-    <p:extLst>
-      <p:ext uri="{BB962C8B-B14F-4D97-AF65-F5344CB8AC3E}">
-        <p14:creationId xmlns:p14="http://schemas.microsoft.com/office/powerpoint/2010/main" val="753965408"/>
-      </p:ext>
-    </p:extLst>
-  </p:cSld>
-  <p:clrMapOvr>
-    <a:masterClrMapping/>
-  </p:clrMapOvr>
-</p:sld>
-</file>
-
-<file path=ppt/slides/slide7.xml><?xml version="1.0" encoding="utf-8"?>
-<p:sld xmlns:a="http://schemas.openxmlformats.org/drawingml/2006/main" xmlns:r="http://schemas.openxmlformats.org/officeDocument/2006/relationships" xmlns:p="http://schemas.openxmlformats.org/presentationml/2006/main">
-  <p:cSld>
-    <p:spTree>
-      <p:nvGrpSpPr>
-        <p:cNvPr id="1" name="">
-          <a:extLst>
-            <a:ext uri="{FF2B5EF4-FFF2-40B4-BE49-F238E27FC236}">
-              <a16:creationId xmlns:a16="http://schemas.microsoft.com/office/drawing/2014/main" id="{D30D031C-703F-442D-7F8D-892086538D5C}"/>
-            </a:ext>
-          </a:extLst>
-        </p:cNvPr>
-        <p:cNvGrpSpPr/>
-        <p:nvPr/>
-      </p:nvGrpSpPr>
-      <p:grpSpPr>
-        <a:xfrm>
-          <a:off x="0" y="0"/>
-          <a:ext cx="0" cy="0"/>
-          <a:chOff x="0" y="0"/>
-          <a:chExt cx="0" cy="0"/>
-        </a:xfrm>
-      </p:grpSpPr>
-      <p:sp>
-        <p:nvSpPr>
-          <p:cNvPr id="2" name="Title 1">
-            <a:extLst>
-              <a:ext uri="{FF2B5EF4-FFF2-40B4-BE49-F238E27FC236}">
-                <a16:creationId xmlns:a16="http://schemas.microsoft.com/office/drawing/2014/main" id="{63FCC175-AD0D-4AE6-A1E1-C50716B57866}"/>
-              </a:ext>
-            </a:extLst>
-          </p:cNvPr>
-          <p:cNvSpPr>
-            <a:spLocks noGrp="1"/>
-          </p:cNvSpPr>
-          <p:nvPr>
-            <p:ph type="ctrTitle"/>
-          </p:nvPr>
-        </p:nvSpPr>
-        <p:spPr>
-          <a:xfrm>
-            <a:off x="626378" y="360726"/>
-            <a:ext cx="9144000" cy="817097"/>
-          </a:xfrm>
-        </p:spPr>
-        <p:txBody>
-          <a:bodyPr>
-            <a:noAutofit/>
-          </a:bodyPr>
-          <a:lstStyle/>
-          <a:p>
-            <a:pPr algn="l"/>
-            <a:r>
-              <a:rPr lang="en-US" sz="4800" dirty="0"/>
-              <a:t>Abstraction</a:t>
-            </a:r>
-            <a:endParaRPr lang="en-ID" sz="4800" dirty="0"/>
-          </a:p>
-        </p:txBody>
-      </p:sp>
-    </p:spTree>
-    <p:extLst>
-      <p:ext uri="{BB962C8B-B14F-4D97-AF65-F5344CB8AC3E}">
-        <p14:creationId xmlns:p14="http://schemas.microsoft.com/office/powerpoint/2010/main" val="2251731984"/>
-      </p:ext>
-    </p:extLst>
-  </p:cSld>
-  <p:clrMapOvr>
-    <a:masterClrMapping/>
-  </p:clrMapOvr>
-</p:sld>
-</file>
-
-<file path=ppt/slides/slide8.xml><?xml version="1.0" encoding="utf-8"?>
-<p:sld xmlns:a="http://schemas.openxmlformats.org/drawingml/2006/main" xmlns:r="http://schemas.openxmlformats.org/officeDocument/2006/relationships" xmlns:p="http://schemas.openxmlformats.org/presentationml/2006/main">
-  <p:cSld>
-    <p:spTree>
-      <p:nvGrpSpPr>
-        <p:cNvPr id="1" name="">
-          <a:extLst>
-            <a:ext uri="{FF2B5EF4-FFF2-40B4-BE49-F238E27FC236}">
-              <a16:creationId xmlns:a16="http://schemas.microsoft.com/office/drawing/2014/main" id="{095B0455-79D7-B9C1-7C3D-1E6F58A1AFE9}"/>
-            </a:ext>
-          </a:extLst>
-        </p:cNvPr>
-        <p:cNvGrpSpPr/>
-        <p:nvPr/>
-      </p:nvGrpSpPr>
-      <p:grpSpPr>
-        <a:xfrm>
-          <a:off x="0" y="0"/>
-          <a:ext cx="0" cy="0"/>
-          <a:chOff x="0" y="0"/>
-          <a:chExt cx="0" cy="0"/>
-        </a:xfrm>
-      </p:grpSpPr>
-      <p:sp>
-        <p:nvSpPr>
-          <p:cNvPr id="2" name="Title 1">
-            <a:extLst>
-              <a:ext uri="{FF2B5EF4-FFF2-40B4-BE49-F238E27FC236}">
-                <a16:creationId xmlns:a16="http://schemas.microsoft.com/office/drawing/2014/main" id="{33EB9AC2-EA55-4E64-12A1-2B356C4CAF0C}"/>
-              </a:ext>
-            </a:extLst>
-          </p:cNvPr>
-          <p:cNvSpPr>
-            <a:spLocks noGrp="1"/>
-          </p:cNvSpPr>
-          <p:nvPr>
-            <p:ph type="ctrTitle"/>
-          </p:nvPr>
-        </p:nvSpPr>
-        <p:spPr>
-          <a:xfrm>
-            <a:off x="626378" y="360726"/>
-            <a:ext cx="9144000" cy="817097"/>
-          </a:xfrm>
-        </p:spPr>
-        <p:txBody>
-          <a:bodyPr>
-            <a:noAutofit/>
-          </a:bodyPr>
-          <a:lstStyle/>
-          <a:p>
-            <a:pPr algn="l"/>
-            <a:r>
-              <a:rPr lang="en-US" sz="4800" dirty="0"/>
-              <a:t>Abstraction</a:t>
-            </a:r>
-            <a:endParaRPr lang="en-ID" sz="4800" dirty="0"/>
-          </a:p>
-        </p:txBody>
-      </p:sp>
-    </p:spTree>
-    <p:extLst>
-      <p:ext uri="{BB962C8B-B14F-4D97-AF65-F5344CB8AC3E}">
-        <p14:creationId xmlns:p14="http://schemas.microsoft.com/office/powerpoint/2010/main" val="460754935"/>
-      </p:ext>
-    </p:extLst>
-  </p:cSld>
-  <p:clrMapOvr>
-    <a:masterClrMapping/>
-  </p:clrMapOvr>
-</p:sld>
-</file>
-
-<file path=ppt/slides/slide9.xml><?xml version="1.0" encoding="utf-8"?>
-<p:sld xmlns:a="http://schemas.openxmlformats.org/drawingml/2006/main" xmlns:r="http://schemas.openxmlformats.org/officeDocument/2006/relationships" xmlns:p="http://schemas.openxmlformats.org/presentationml/2006/main">
-  <p:cSld>
-    <p:spTree>
-      <p:nvGrpSpPr>
-        <p:cNvPr id="1" name="">
-          <a:extLst>
-            <a:ext uri="{FF2B5EF4-FFF2-40B4-BE49-F238E27FC236}">
-              <a16:creationId xmlns:a16="http://schemas.microsoft.com/office/drawing/2014/main" id="{893B9A77-0EC5-6C68-CCEB-5361B8680EC0}"/>
-            </a:ext>
-          </a:extLst>
-        </p:cNvPr>
-        <p:cNvGrpSpPr/>
-        <p:nvPr/>
-      </p:nvGrpSpPr>
-      <p:grpSpPr>
-        <a:xfrm>
-          <a:off x="0" y="0"/>
-          <a:ext cx="0" cy="0"/>
-          <a:chOff x="0" y="0"/>
-          <a:chExt cx="0" cy="0"/>
-        </a:xfrm>
-      </p:grpSpPr>
-      <p:sp>
-        <p:nvSpPr>
-          <p:cNvPr id="2" name="Title 1">
-            <a:extLst>
-              <a:ext uri="{FF2B5EF4-FFF2-40B4-BE49-F238E27FC236}">
-                <a16:creationId xmlns:a16="http://schemas.microsoft.com/office/drawing/2014/main" id="{6A08E8D4-4E2F-96E2-4504-965778672D45}"/>
-              </a:ext>
-            </a:extLst>
-          </p:cNvPr>
-          <p:cNvSpPr>
-            <a:spLocks noGrp="1"/>
-          </p:cNvSpPr>
-          <p:nvPr>
-            <p:ph type="ctrTitle"/>
-          </p:nvPr>
-        </p:nvSpPr>
-        <p:spPr>
-          <a:xfrm>
-            <a:off x="626378" y="360726"/>
-            <a:ext cx="9144000" cy="817097"/>
-          </a:xfrm>
-        </p:spPr>
-        <p:txBody>
-          <a:bodyPr>
-            <a:noAutofit/>
-          </a:bodyPr>
-          <a:lstStyle/>
-          <a:p>
-            <a:pPr algn="l"/>
-            <a:r>
-              <a:rPr lang="en-US" sz="4800" dirty="0"/>
-              <a:t>Pattern Recognition</a:t>
-            </a:r>
-            <a:endParaRPr lang="en-ID" sz="4800" dirty="0"/>
-          </a:p>
-        </p:txBody>
-      </p:sp>
-    </p:spTree>
-    <p:extLst>
-      <p:ext uri="{BB962C8B-B14F-4D97-AF65-F5344CB8AC3E}">
-        <p14:creationId xmlns:p14="http://schemas.microsoft.com/office/powerpoint/2010/main" val="1073081865"/>
       </p:ext>
     </p:extLst>
   </p:cSld>
